--- a/Lectures/(7) Storing & Managing Data.pptx
+++ b/Lectures/(7) Storing & Managing Data.pptx
@@ -5,7 +5,7 @@
     <p:sldMasterId id="2147483672" r:id="rId1"/>
   </p:sldMasterIdLst>
   <p:notesMasterIdLst>
-    <p:notesMasterId r:id="rId12"/>
+    <p:notesMasterId r:id="rId14"/>
   </p:notesMasterIdLst>
   <p:sldIdLst>
     <p:sldId id="256" r:id="rId2"/>
@@ -13,35 +13,37 @@
     <p:sldId id="259" r:id="rId4"/>
     <p:sldId id="260" r:id="rId5"/>
     <p:sldId id="261" r:id="rId6"/>
-    <p:sldId id="262" r:id="rId7"/>
-    <p:sldId id="263" r:id="rId8"/>
-    <p:sldId id="264" r:id="rId9"/>
-    <p:sldId id="265" r:id="rId10"/>
-    <p:sldId id="267" r:id="rId11"/>
+    <p:sldId id="268" r:id="rId7"/>
+    <p:sldId id="273" r:id="rId8"/>
+    <p:sldId id="262" r:id="rId9"/>
+    <p:sldId id="263" r:id="rId10"/>
+    <p:sldId id="265" r:id="rId11"/>
+    <p:sldId id="267" r:id="rId12"/>
+    <p:sldId id="264" r:id="rId13"/>
   </p:sldIdLst>
   <p:sldSz cx="12192000" cy="6858000"/>
   <p:notesSz cx="6858000" cy="9144000"/>
   <p:embeddedFontLst>
     <p:embeddedFont>
       <p:font typeface="Calibri" panose="020F0502020204030204" pitchFamily="34" charset="0"/>
-      <p:regular r:id="rId13"/>
-      <p:bold r:id="rId14"/>
-      <p:italic r:id="rId15"/>
-      <p:boldItalic r:id="rId16"/>
+      <p:regular r:id="rId15"/>
+      <p:bold r:id="rId16"/>
+      <p:italic r:id="rId17"/>
+      <p:boldItalic r:id="rId18"/>
     </p:embeddedFont>
     <p:embeddedFont>
       <p:font typeface="Lato" panose="020B0604020202020204" charset="0"/>
-      <p:regular r:id="rId17"/>
-      <p:bold r:id="rId18"/>
-      <p:italic r:id="rId19"/>
-      <p:boldItalic r:id="rId20"/>
+      <p:regular r:id="rId19"/>
+      <p:bold r:id="rId20"/>
+      <p:italic r:id="rId21"/>
+      <p:boldItalic r:id="rId22"/>
     </p:embeddedFont>
     <p:embeddedFont>
       <p:font typeface="Raleway" panose="020B0604020202020204" charset="0"/>
-      <p:regular r:id="rId21"/>
-      <p:bold r:id="rId22"/>
-      <p:italic r:id="rId23"/>
-      <p:boldItalic r:id="rId24"/>
+      <p:regular r:id="rId23"/>
+      <p:bold r:id="rId24"/>
+      <p:italic r:id="rId25"/>
+      <p:boldItalic r:id="rId26"/>
     </p:embeddedFont>
   </p:embeddedFontLst>
   <p:defaultTextStyle>
@@ -1745,6 +1747,110 @@
   <p:cSld>
     <p:spTree>
       <p:nvGrpSpPr>
+        <p:cNvPr id="1" name="Shape 243"/>
+        <p:cNvGrpSpPr/>
+        <p:nvPr/>
+      </p:nvGrpSpPr>
+      <p:grpSpPr>
+        <a:xfrm>
+          <a:off x="0" y="0"/>
+          <a:ext cx="0" cy="0"/>
+          <a:chOff x="0" y="0"/>
+          <a:chExt cx="0" cy="0"/>
+        </a:xfrm>
+      </p:grpSpPr>
+      <p:sp>
+        <p:nvSpPr>
+          <p:cNvPr id="244" name="Google Shape;244;g501fb7fb40_0_10:notes"/>
+          <p:cNvSpPr txBox="1">
+            <a:spLocks noGrp="1"/>
+          </p:cNvSpPr>
+          <p:nvPr>
+            <p:ph type="body" idx="1"/>
+          </p:nvPr>
+        </p:nvSpPr>
+        <p:spPr>
+          <a:xfrm>
+            <a:off x="685800" y="4400550"/>
+            <a:ext cx="5486400" cy="3600600"/>
+          </a:xfrm>
+          <a:prstGeom prst="rect">
+            <a:avLst/>
+          </a:prstGeom>
+        </p:spPr>
+        <p:txBody>
+          <a:bodyPr spcFirstLastPara="1" wrap="square" lIns="91425" tIns="45700" rIns="91425" bIns="45700" anchor="t" anchorCtr="0">
+            <a:noAutofit/>
+          </a:bodyPr>
+          <a:lstStyle/>
+          <a:p>
+            <a:pPr marL="0" lvl="0" indent="0" algn="l" rtl="0">
+              <a:spcBef>
+                <a:spcPts val="0"/>
+              </a:spcBef>
+              <a:spcAft>
+                <a:spcPts val="0"/>
+              </a:spcAft>
+              <a:buNone/>
+            </a:pPr>
+            <a:endParaRPr/>
+          </a:p>
+        </p:txBody>
+      </p:sp>
+      <p:sp>
+        <p:nvSpPr>
+          <p:cNvPr id="245" name="Google Shape;245;g501fb7fb40_0_10:notes"/>
+          <p:cNvSpPr>
+            <a:spLocks noGrp="1" noRot="1" noChangeAspect="1"/>
+          </p:cNvSpPr>
+          <p:nvPr>
+            <p:ph type="sldImg" idx="2"/>
+          </p:nvPr>
+        </p:nvSpPr>
+        <p:spPr>
+          <a:xfrm>
+            <a:off x="685800" y="1143000"/>
+            <a:ext cx="5486400" cy="3086100"/>
+          </a:xfrm>
+          <a:custGeom>
+            <a:avLst/>
+            <a:gdLst/>
+            <a:ahLst/>
+            <a:cxnLst/>
+            <a:rect l="l" t="t" r="r" b="b"/>
+            <a:pathLst>
+              <a:path w="120000" h="120000" extrusionOk="0">
+                <a:moveTo>
+                  <a:pt x="0" y="0"/>
+                </a:moveTo>
+                <a:lnTo>
+                  <a:pt x="120000" y="0"/>
+                </a:lnTo>
+                <a:lnTo>
+                  <a:pt x="120000" y="120000"/>
+                </a:lnTo>
+                <a:lnTo>
+                  <a:pt x="0" y="120000"/>
+                </a:lnTo>
+                <a:close/>
+              </a:path>
+            </a:pathLst>
+          </a:custGeom>
+        </p:spPr>
+      </p:sp>
+    </p:spTree>
+  </p:cSld>
+  <p:clrMapOvr>
+    <a:masterClrMapping/>
+  </p:clrMapOvr>
+</p:notes>
+</file>
+
+<file path=ppt/notesSlides/notesSlide11.xml><?xml version="1.0" encoding="utf-8"?>
+<p:notes xmlns:a="http://schemas.openxmlformats.org/drawingml/2006/main" xmlns:r="http://schemas.openxmlformats.org/officeDocument/2006/relationships" xmlns:p="http://schemas.openxmlformats.org/presentationml/2006/main" showMasterSp="0" showMasterPhAnim="0">
+  <p:cSld>
+    <p:spTree>
+      <p:nvGrpSpPr>
         <p:cNvPr id="1" name="Shape 258"/>
         <p:cNvGrpSpPr/>
         <p:nvPr/>
@@ -1798,6 +1904,110 @@
       <p:sp>
         <p:nvSpPr>
           <p:cNvPr id="260" name="Google Shape;260;g51c7a8fa13_0_23:notes"/>
+          <p:cNvSpPr>
+            <a:spLocks noGrp="1" noRot="1" noChangeAspect="1"/>
+          </p:cNvSpPr>
+          <p:nvPr>
+            <p:ph type="sldImg" idx="2"/>
+          </p:nvPr>
+        </p:nvSpPr>
+        <p:spPr>
+          <a:xfrm>
+            <a:off x="685800" y="1143000"/>
+            <a:ext cx="5486400" cy="3086100"/>
+          </a:xfrm>
+          <a:custGeom>
+            <a:avLst/>
+            <a:gdLst/>
+            <a:ahLst/>
+            <a:cxnLst/>
+            <a:rect l="l" t="t" r="r" b="b"/>
+            <a:pathLst>
+              <a:path w="120000" h="120000" extrusionOk="0">
+                <a:moveTo>
+                  <a:pt x="0" y="0"/>
+                </a:moveTo>
+                <a:lnTo>
+                  <a:pt x="120000" y="0"/>
+                </a:lnTo>
+                <a:lnTo>
+                  <a:pt x="120000" y="120000"/>
+                </a:lnTo>
+                <a:lnTo>
+                  <a:pt x="0" y="120000"/>
+                </a:lnTo>
+                <a:close/>
+              </a:path>
+            </a:pathLst>
+          </a:custGeom>
+        </p:spPr>
+      </p:sp>
+    </p:spTree>
+  </p:cSld>
+  <p:clrMapOvr>
+    <a:masterClrMapping/>
+  </p:clrMapOvr>
+</p:notes>
+</file>
+
+<file path=ppt/notesSlides/notesSlide12.xml><?xml version="1.0" encoding="utf-8"?>
+<p:notes xmlns:a="http://schemas.openxmlformats.org/drawingml/2006/main" xmlns:r="http://schemas.openxmlformats.org/officeDocument/2006/relationships" xmlns:p="http://schemas.openxmlformats.org/presentationml/2006/main" showMasterSp="0" showMasterPhAnim="0">
+  <p:cSld>
+    <p:spTree>
+      <p:nvGrpSpPr>
+        <p:cNvPr id="1" name="Shape 235"/>
+        <p:cNvGrpSpPr/>
+        <p:nvPr/>
+      </p:nvGrpSpPr>
+      <p:grpSpPr>
+        <a:xfrm>
+          <a:off x="0" y="0"/>
+          <a:ext cx="0" cy="0"/>
+          <a:chOff x="0" y="0"/>
+          <a:chExt cx="0" cy="0"/>
+        </a:xfrm>
+      </p:grpSpPr>
+      <p:sp>
+        <p:nvSpPr>
+          <p:cNvPr id="236" name="Google Shape;236;g501fb7fb40_0_54:notes"/>
+          <p:cNvSpPr txBox="1">
+            <a:spLocks noGrp="1"/>
+          </p:cNvSpPr>
+          <p:nvPr>
+            <p:ph type="body" idx="1"/>
+          </p:nvPr>
+        </p:nvSpPr>
+        <p:spPr>
+          <a:xfrm>
+            <a:off x="685800" y="4400550"/>
+            <a:ext cx="5486400" cy="3600600"/>
+          </a:xfrm>
+          <a:prstGeom prst="rect">
+            <a:avLst/>
+          </a:prstGeom>
+        </p:spPr>
+        <p:txBody>
+          <a:bodyPr spcFirstLastPara="1" wrap="square" lIns="91425" tIns="45700" rIns="91425" bIns="45700" anchor="t" anchorCtr="0">
+            <a:noAutofit/>
+          </a:bodyPr>
+          <a:lstStyle/>
+          <a:p>
+            <a:pPr marL="0" lvl="0" indent="0" algn="l" rtl="0">
+              <a:spcBef>
+                <a:spcPts val="0"/>
+              </a:spcBef>
+              <a:spcAft>
+                <a:spcPts val="0"/>
+              </a:spcAft>
+              <a:buNone/>
+            </a:pPr>
+            <a:endParaRPr/>
+          </a:p>
+        </p:txBody>
+      </p:sp>
+      <p:sp>
+        <p:nvSpPr>
+          <p:cNvPr id="237" name="Google Shape;237;g501fb7fb40_0_54:notes"/>
           <p:cNvSpPr>
             <a:spLocks noGrp="1" noRot="1" noChangeAspect="1"/>
           </p:cNvSpPr>
@@ -2670,6 +2880,777 @@
   <p:cSld>
     <p:spTree>
       <p:nvGrpSpPr>
+        <p:cNvPr id="1" name="Shape 205"/>
+        <p:cNvGrpSpPr/>
+        <p:nvPr/>
+      </p:nvGrpSpPr>
+      <p:grpSpPr>
+        <a:xfrm>
+          <a:off x="0" y="0"/>
+          <a:ext cx="0" cy="0"/>
+          <a:chOff x="0" y="0"/>
+          <a:chExt cx="0" cy="0"/>
+        </a:xfrm>
+      </p:grpSpPr>
+      <p:sp>
+        <p:nvSpPr>
+          <p:cNvPr id="206" name="Google Shape;206;g5e13918e3f_0_88:notes"/>
+          <p:cNvSpPr txBox="1">
+            <a:spLocks noGrp="1"/>
+          </p:cNvSpPr>
+          <p:nvPr>
+            <p:ph type="body" idx="1"/>
+          </p:nvPr>
+        </p:nvSpPr>
+        <p:spPr>
+          <a:xfrm>
+            <a:off x="685800" y="4400550"/>
+            <a:ext cx="5486400" cy="3600600"/>
+          </a:xfrm>
+          <a:prstGeom prst="rect">
+            <a:avLst/>
+          </a:prstGeom>
+        </p:spPr>
+        <p:txBody>
+          <a:bodyPr spcFirstLastPara="1" wrap="square" lIns="91425" tIns="45700" rIns="91425" bIns="45700" anchor="t" anchorCtr="0">
+            <a:noAutofit/>
+          </a:bodyPr>
+          <a:lstStyle/>
+          <a:p>
+            <a:pPr marL="457200" lvl="0" indent="-304800" algn="l" rtl="0">
+              <a:lnSpc>
+                <a:spcPct val="115000"/>
+              </a:lnSpc>
+              <a:spcBef>
+                <a:spcPts val="0"/>
+              </a:spcBef>
+              <a:spcAft>
+                <a:spcPts val="0"/>
+              </a:spcAft>
+              <a:buSzPts val="1200"/>
+              <a:buAutoNum type="arabicPeriod"/>
+            </a:pPr>
+            <a:r>
+              <a:rPr lang="en-US">
+                <a:solidFill>
+                  <a:srgbClr val="000000"/>
+                </a:solidFill>
+                <a:latin typeface="Arial"/>
+                <a:ea typeface="Arial"/>
+                <a:cs typeface="Arial"/>
+                <a:sym typeface="Arial"/>
+              </a:rPr>
+              <a:t>For example, a company may house all their data in a SQL Server database, but needs to gather their source data from Excel, CSV, Access, and JSON files. With ETL, you can take this disparate information, pull it into a staging area where you transform it, then write all the data into the target data store. </a:t>
+            </a:r>
+            <a:endParaRPr/>
+          </a:p>
+        </p:txBody>
+      </p:sp>
+      <p:sp>
+        <p:nvSpPr>
+          <p:cNvPr id="207" name="Google Shape;207;g5e13918e3f_0_88:notes"/>
+          <p:cNvSpPr>
+            <a:spLocks noGrp="1" noRot="1" noChangeAspect="1"/>
+          </p:cNvSpPr>
+          <p:nvPr>
+            <p:ph type="sldImg" idx="2"/>
+          </p:nvPr>
+        </p:nvSpPr>
+        <p:spPr>
+          <a:xfrm>
+            <a:off x="685800" y="1143000"/>
+            <a:ext cx="5486400" cy="3086100"/>
+          </a:xfrm>
+          <a:custGeom>
+            <a:avLst/>
+            <a:gdLst/>
+            <a:ahLst/>
+            <a:cxnLst/>
+            <a:rect l="l" t="t" r="r" b="b"/>
+            <a:pathLst>
+              <a:path w="120000" h="120000" extrusionOk="0">
+                <a:moveTo>
+                  <a:pt x="0" y="0"/>
+                </a:moveTo>
+                <a:lnTo>
+                  <a:pt x="120000" y="0"/>
+                </a:lnTo>
+                <a:lnTo>
+                  <a:pt x="120000" y="120000"/>
+                </a:lnTo>
+                <a:lnTo>
+                  <a:pt x="0" y="120000"/>
+                </a:lnTo>
+                <a:close/>
+              </a:path>
+            </a:pathLst>
+          </a:custGeom>
+        </p:spPr>
+      </p:sp>
+    </p:spTree>
+  </p:cSld>
+  <p:clrMapOvr>
+    <a:masterClrMapping/>
+  </p:clrMapOvr>
+</p:notes>
+</file>
+
+<file path=ppt/notesSlides/notesSlide7.xml><?xml version="1.0" encoding="utf-8"?>
+<p:notes xmlns:a="http://schemas.openxmlformats.org/drawingml/2006/main" xmlns:r="http://schemas.openxmlformats.org/officeDocument/2006/relationships" xmlns:p="http://schemas.openxmlformats.org/presentationml/2006/main" showMasterSp="0" showMasterPhAnim="0">
+  <p:cSld>
+    <p:spTree>
+      <p:nvGrpSpPr>
+        <p:cNvPr id="1" name="Shape 298"/>
+        <p:cNvGrpSpPr/>
+        <p:nvPr/>
+      </p:nvGrpSpPr>
+      <p:grpSpPr>
+        <a:xfrm>
+          <a:off x="0" y="0"/>
+          <a:ext cx="0" cy="0"/>
+          <a:chOff x="0" y="0"/>
+          <a:chExt cx="0" cy="0"/>
+        </a:xfrm>
+      </p:grpSpPr>
+      <p:sp>
+        <p:nvSpPr>
+          <p:cNvPr id="299" name="Google Shape;299;g5e13918e3f_0_178:notes"/>
+          <p:cNvSpPr txBox="1">
+            <a:spLocks noGrp="1"/>
+          </p:cNvSpPr>
+          <p:nvPr>
+            <p:ph type="body" idx="1"/>
+          </p:nvPr>
+        </p:nvSpPr>
+        <p:spPr>
+          <a:xfrm>
+            <a:off x="685800" y="4400550"/>
+            <a:ext cx="5486400" cy="3600600"/>
+          </a:xfrm>
+          <a:prstGeom prst="rect">
+            <a:avLst/>
+          </a:prstGeom>
+        </p:spPr>
+        <p:txBody>
+          <a:bodyPr spcFirstLastPara="1" wrap="square" lIns="91425" tIns="45700" rIns="91425" bIns="45700" anchor="t" anchorCtr="0">
+            <a:noAutofit/>
+          </a:bodyPr>
+          <a:lstStyle/>
+          <a:p>
+            <a:pPr marL="0" lvl="0" indent="0" algn="l" rtl="0">
+              <a:lnSpc>
+                <a:spcPct val="115000"/>
+              </a:lnSpc>
+              <a:spcBef>
+                <a:spcPts val="0"/>
+              </a:spcBef>
+              <a:spcAft>
+                <a:spcPts val="0"/>
+              </a:spcAft>
+              <a:buNone/>
+            </a:pPr>
+            <a:r>
+              <a:rPr lang="en-US" sz="1150" b="1" dirty="0">
+                <a:solidFill>
+                  <a:srgbClr val="242729"/>
+                </a:solidFill>
+                <a:latin typeface="Arial"/>
+                <a:ea typeface="Arial"/>
+                <a:cs typeface="Arial"/>
+                <a:sym typeface="Arial"/>
+              </a:rPr>
+              <a:t>Note:  Install Anaconda - Pandas, </a:t>
+            </a:r>
+            <a:r>
+              <a:rPr lang="en-US" sz="1150" b="1" dirty="0" err="1">
+                <a:solidFill>
+                  <a:srgbClr val="242729"/>
+                </a:solidFill>
+                <a:latin typeface="Arial"/>
+                <a:ea typeface="Arial"/>
+                <a:cs typeface="Arial"/>
+                <a:sym typeface="Arial"/>
+              </a:rPr>
+              <a:t>Numpy</a:t>
+            </a:r>
+            <a:r>
+              <a:rPr lang="en-US" sz="1150" b="1" dirty="0">
+                <a:solidFill>
+                  <a:srgbClr val="242729"/>
+                </a:solidFill>
+                <a:latin typeface="Arial"/>
+                <a:ea typeface="Arial"/>
+                <a:cs typeface="Arial"/>
+                <a:sym typeface="Arial"/>
+              </a:rPr>
+              <a:t> &amp; </a:t>
+            </a:r>
+            <a:r>
+              <a:rPr lang="en-US" sz="1150" b="1" dirty="0" err="1">
+                <a:solidFill>
+                  <a:srgbClr val="242729"/>
+                </a:solidFill>
+                <a:latin typeface="Arial"/>
+                <a:ea typeface="Arial"/>
+                <a:cs typeface="Arial"/>
+                <a:sym typeface="Arial"/>
+              </a:rPr>
+              <a:t>PyMySQL</a:t>
+            </a:r>
+            <a:r>
+              <a:rPr lang="en-US" sz="1150" b="1" dirty="0">
+                <a:solidFill>
+                  <a:srgbClr val="242729"/>
+                </a:solidFill>
+                <a:latin typeface="Arial"/>
+                <a:ea typeface="Arial"/>
+                <a:cs typeface="Arial"/>
+                <a:sym typeface="Arial"/>
+              </a:rPr>
+              <a:t> packages</a:t>
+            </a:r>
+            <a:endParaRPr sz="1150" b="1" dirty="0">
+              <a:solidFill>
+                <a:srgbClr val="242729"/>
+              </a:solidFill>
+              <a:latin typeface="Arial"/>
+              <a:ea typeface="Arial"/>
+              <a:cs typeface="Arial"/>
+              <a:sym typeface="Arial"/>
+            </a:endParaRPr>
+          </a:p>
+          <a:p>
+            <a:pPr marL="0" lvl="0" indent="0" algn="l" rtl="0">
+              <a:lnSpc>
+                <a:spcPct val="115000"/>
+              </a:lnSpc>
+              <a:spcBef>
+                <a:spcPts val="1100"/>
+              </a:spcBef>
+              <a:spcAft>
+                <a:spcPts val="0"/>
+              </a:spcAft>
+              <a:buNone/>
+            </a:pPr>
+            <a:r>
+              <a:rPr lang="en-US" sz="1150" b="1" dirty="0">
+                <a:solidFill>
+                  <a:srgbClr val="242729"/>
+                </a:solidFill>
+                <a:latin typeface="Arial"/>
+                <a:ea typeface="Arial"/>
+                <a:cs typeface="Arial"/>
+                <a:sym typeface="Arial"/>
+              </a:rPr>
+              <a:t>Run Python from Command-line in Windows, or </a:t>
+            </a:r>
+            <a:r>
+              <a:rPr lang="en-US" sz="1150" b="1" dirty="0" err="1">
+                <a:solidFill>
+                  <a:srgbClr val="242729"/>
+                </a:solidFill>
+                <a:latin typeface="Arial"/>
+                <a:ea typeface="Arial"/>
+                <a:cs typeface="Arial"/>
+                <a:sym typeface="Arial"/>
+              </a:rPr>
+              <a:t>juypter</a:t>
+            </a:r>
+            <a:r>
+              <a:rPr lang="en-US" sz="1150" b="1" dirty="0">
+                <a:solidFill>
+                  <a:srgbClr val="242729"/>
+                </a:solidFill>
+                <a:latin typeface="Arial"/>
+                <a:ea typeface="Arial"/>
+                <a:cs typeface="Arial"/>
+                <a:sym typeface="Arial"/>
+              </a:rPr>
+              <a:t> notebook</a:t>
+            </a:r>
+            <a:endParaRPr sz="1150" b="1" dirty="0">
+              <a:solidFill>
+                <a:srgbClr val="242729"/>
+              </a:solidFill>
+              <a:latin typeface="Arial"/>
+              <a:ea typeface="Arial"/>
+              <a:cs typeface="Arial"/>
+              <a:sym typeface="Arial"/>
+            </a:endParaRPr>
+          </a:p>
+          <a:p>
+            <a:pPr marL="749300" lvl="0" indent="-301625" algn="l" rtl="0">
+              <a:lnSpc>
+                <a:spcPct val="115000"/>
+              </a:lnSpc>
+              <a:spcBef>
+                <a:spcPts val="1100"/>
+              </a:spcBef>
+              <a:spcAft>
+                <a:spcPts val="0"/>
+              </a:spcAft>
+              <a:buClr>
+                <a:srgbClr val="242729"/>
+              </a:buClr>
+              <a:buSzPts val="1150"/>
+              <a:buAutoNum type="arabicPeriod"/>
+            </a:pPr>
+            <a:r>
+              <a:rPr lang="en-US" sz="1150" dirty="0">
+                <a:solidFill>
+                  <a:srgbClr val="242729"/>
+                </a:solidFill>
+                <a:latin typeface="Arial"/>
+                <a:ea typeface="Arial"/>
+                <a:cs typeface="Arial"/>
+                <a:sym typeface="Arial"/>
+              </a:rPr>
+              <a:t>Save your python code file somewhere, using "Save" or "Save as" in your editor. Lets call it 'first.py' in some folder, like "</a:t>
+            </a:r>
+            <a:r>
+              <a:rPr lang="en-US" sz="1150" dirty="0" err="1">
+                <a:solidFill>
+                  <a:srgbClr val="242729"/>
+                </a:solidFill>
+                <a:latin typeface="Arial"/>
+                <a:ea typeface="Arial"/>
+                <a:cs typeface="Arial"/>
+                <a:sym typeface="Arial"/>
+              </a:rPr>
+              <a:t>pyscripts</a:t>
+            </a:r>
+            <a:r>
+              <a:rPr lang="en-US" sz="1150" dirty="0">
+                <a:solidFill>
+                  <a:srgbClr val="242729"/>
+                </a:solidFill>
+                <a:latin typeface="Arial"/>
+                <a:ea typeface="Arial"/>
+                <a:cs typeface="Arial"/>
+                <a:sym typeface="Arial"/>
+              </a:rPr>
+              <a:t>" that you make on your Desktop.</a:t>
+            </a:r>
+            <a:endParaRPr sz="1150" dirty="0">
+              <a:solidFill>
+                <a:srgbClr val="242729"/>
+              </a:solidFill>
+              <a:latin typeface="Arial"/>
+              <a:ea typeface="Arial"/>
+              <a:cs typeface="Arial"/>
+              <a:sym typeface="Arial"/>
+            </a:endParaRPr>
+          </a:p>
+          <a:p>
+            <a:pPr marL="749300" lvl="0" indent="-301625" algn="l" rtl="0">
+              <a:lnSpc>
+                <a:spcPct val="115000"/>
+              </a:lnSpc>
+              <a:spcBef>
+                <a:spcPts val="0"/>
+              </a:spcBef>
+              <a:spcAft>
+                <a:spcPts val="0"/>
+              </a:spcAft>
+              <a:buClr>
+                <a:srgbClr val="242729"/>
+              </a:buClr>
+              <a:buSzPts val="1150"/>
+              <a:buAutoNum type="arabicPeriod"/>
+            </a:pPr>
+            <a:r>
+              <a:rPr lang="en-US" sz="1150" dirty="0">
+                <a:solidFill>
+                  <a:srgbClr val="242729"/>
+                </a:solidFill>
+                <a:latin typeface="Arial"/>
+                <a:ea typeface="Arial"/>
+                <a:cs typeface="Arial"/>
+                <a:sym typeface="Arial"/>
+              </a:rPr>
+              <a:t>Open a </a:t>
+            </a:r>
+            <a:r>
+              <a:rPr lang="en-US" sz="1150" b="1" dirty="0">
+                <a:solidFill>
+                  <a:srgbClr val="242729"/>
+                </a:solidFill>
+                <a:latin typeface="Arial"/>
+                <a:ea typeface="Arial"/>
+                <a:cs typeface="Arial"/>
+                <a:sym typeface="Arial"/>
+              </a:rPr>
+              <a:t>prompt</a:t>
+            </a:r>
+            <a:r>
+              <a:rPr lang="en-US" sz="1150" dirty="0">
+                <a:solidFill>
+                  <a:srgbClr val="242729"/>
+                </a:solidFill>
+                <a:latin typeface="Arial"/>
+                <a:ea typeface="Arial"/>
+                <a:cs typeface="Arial"/>
+                <a:sym typeface="Arial"/>
+              </a:rPr>
+              <a:t> (a Windows '</a:t>
+            </a:r>
+            <a:r>
+              <a:rPr lang="en-US" sz="1150" dirty="0" err="1">
+                <a:solidFill>
+                  <a:srgbClr val="242729"/>
+                </a:solidFill>
+                <a:latin typeface="Arial"/>
+                <a:ea typeface="Arial"/>
+                <a:cs typeface="Arial"/>
+                <a:sym typeface="Arial"/>
+              </a:rPr>
+              <a:t>cmd</a:t>
+            </a:r>
+            <a:r>
+              <a:rPr lang="en-US" sz="1150" dirty="0">
+                <a:solidFill>
+                  <a:srgbClr val="242729"/>
+                </a:solidFill>
+                <a:latin typeface="Arial"/>
+                <a:ea typeface="Arial"/>
+                <a:cs typeface="Arial"/>
+                <a:sym typeface="Arial"/>
+              </a:rPr>
+              <a:t>' shell that is a text interface into the computer):</a:t>
+            </a:r>
+            <a:endParaRPr sz="1150" dirty="0">
+              <a:solidFill>
+                <a:srgbClr val="242729"/>
+              </a:solidFill>
+              <a:latin typeface="Arial"/>
+              <a:ea typeface="Arial"/>
+              <a:cs typeface="Arial"/>
+              <a:sym typeface="Arial"/>
+            </a:endParaRPr>
+          </a:p>
+          <a:p>
+            <a:pPr marL="749300" lvl="0" indent="-301625" algn="l" rtl="0">
+              <a:lnSpc>
+                <a:spcPct val="115000"/>
+              </a:lnSpc>
+              <a:spcBef>
+                <a:spcPts val="0"/>
+              </a:spcBef>
+              <a:spcAft>
+                <a:spcPts val="0"/>
+              </a:spcAft>
+              <a:buClr>
+                <a:srgbClr val="242729"/>
+              </a:buClr>
+              <a:buSzPts val="1150"/>
+              <a:buAutoNum type="arabicPeriod"/>
+            </a:pPr>
+            <a:r>
+              <a:rPr lang="en-US" sz="1150" dirty="0">
+                <a:solidFill>
+                  <a:srgbClr val="242729"/>
+                </a:solidFill>
+                <a:latin typeface="Arial"/>
+                <a:ea typeface="Arial"/>
+                <a:cs typeface="Arial"/>
+                <a:sym typeface="Arial"/>
+              </a:rPr>
+              <a:t>start &gt; run &gt; "</a:t>
+            </a:r>
+            <a:r>
+              <a:rPr lang="en-US" sz="1150" dirty="0" err="1">
+                <a:solidFill>
+                  <a:srgbClr val="242729"/>
+                </a:solidFill>
+                <a:latin typeface="Arial"/>
+                <a:ea typeface="Arial"/>
+                <a:cs typeface="Arial"/>
+                <a:sym typeface="Arial"/>
+              </a:rPr>
+              <a:t>cmd</a:t>
+            </a:r>
+            <a:r>
+              <a:rPr lang="en-US" sz="1150" dirty="0">
+                <a:solidFill>
+                  <a:srgbClr val="242729"/>
+                </a:solidFill>
+                <a:latin typeface="Arial"/>
+                <a:ea typeface="Arial"/>
+                <a:cs typeface="Arial"/>
+                <a:sym typeface="Arial"/>
+              </a:rPr>
+              <a:t>" (in the little box). OK.</a:t>
+            </a:r>
+            <a:endParaRPr sz="1150" dirty="0">
+              <a:solidFill>
+                <a:srgbClr val="242729"/>
+              </a:solidFill>
+              <a:latin typeface="Arial"/>
+              <a:ea typeface="Arial"/>
+              <a:cs typeface="Arial"/>
+              <a:sym typeface="Arial"/>
+            </a:endParaRPr>
+          </a:p>
+          <a:p>
+            <a:pPr marL="749300" lvl="0" indent="-301625" algn="l" rtl="0">
+              <a:lnSpc>
+                <a:spcPct val="115000"/>
+              </a:lnSpc>
+              <a:spcBef>
+                <a:spcPts val="0"/>
+              </a:spcBef>
+              <a:spcAft>
+                <a:spcPts val="0"/>
+              </a:spcAft>
+              <a:buClr>
+                <a:srgbClr val="242729"/>
+              </a:buClr>
+              <a:buSzPts val="1150"/>
+              <a:buAutoNum type="arabicPeriod"/>
+            </a:pPr>
+            <a:r>
+              <a:rPr lang="en-US" sz="1150" dirty="0">
+                <a:solidFill>
+                  <a:srgbClr val="242729"/>
+                </a:solidFill>
+                <a:latin typeface="Arial"/>
+                <a:ea typeface="Arial"/>
+                <a:cs typeface="Arial"/>
+                <a:sym typeface="Arial"/>
+              </a:rPr>
+              <a:t>Navigate to where your python file is, using the commands 'cd' (change directory) and '</a:t>
+            </a:r>
+            <a:r>
+              <a:rPr lang="en-US" sz="1150" dirty="0" err="1">
+                <a:solidFill>
+                  <a:srgbClr val="242729"/>
+                </a:solidFill>
+                <a:latin typeface="Arial"/>
+                <a:ea typeface="Arial"/>
+                <a:cs typeface="Arial"/>
+                <a:sym typeface="Arial"/>
+              </a:rPr>
+              <a:t>dir</a:t>
+            </a:r>
+            <a:r>
+              <a:rPr lang="en-US" sz="1150" dirty="0">
+                <a:solidFill>
+                  <a:srgbClr val="242729"/>
+                </a:solidFill>
+                <a:latin typeface="Arial"/>
+                <a:ea typeface="Arial"/>
+                <a:cs typeface="Arial"/>
+                <a:sym typeface="Arial"/>
+              </a:rPr>
+              <a:t>' (to show files in the directory, to verify your head). For our example something like,</a:t>
+            </a:r>
+            <a:endParaRPr sz="1150" dirty="0">
+              <a:solidFill>
+                <a:srgbClr val="242729"/>
+              </a:solidFill>
+              <a:latin typeface="Arial"/>
+              <a:ea typeface="Arial"/>
+              <a:cs typeface="Arial"/>
+              <a:sym typeface="Arial"/>
+            </a:endParaRPr>
+          </a:p>
+          <a:p>
+            <a:pPr marL="749300" lvl="0" indent="-301625" algn="l" rtl="0">
+              <a:lnSpc>
+                <a:spcPct val="115000"/>
+              </a:lnSpc>
+              <a:spcBef>
+                <a:spcPts val="0"/>
+              </a:spcBef>
+              <a:spcAft>
+                <a:spcPts val="0"/>
+              </a:spcAft>
+              <a:buClr>
+                <a:srgbClr val="242729"/>
+              </a:buClr>
+              <a:buSzPts val="1150"/>
+              <a:buAutoNum type="arabicPeriod"/>
+            </a:pPr>
+            <a:r>
+              <a:rPr lang="en-US" sz="1150" dirty="0">
+                <a:solidFill>
+                  <a:srgbClr val="242729"/>
+                </a:solidFill>
+                <a:latin typeface="Arial"/>
+                <a:ea typeface="Arial"/>
+                <a:cs typeface="Arial"/>
+                <a:sym typeface="Arial"/>
+              </a:rPr>
+              <a:t>&gt; cd C:\Documents and Settings\Gregg\Desktop\</a:t>
+            </a:r>
+            <a:r>
+              <a:rPr lang="en-US" sz="1150" dirty="0" err="1">
+                <a:solidFill>
+                  <a:srgbClr val="242729"/>
+                </a:solidFill>
+                <a:latin typeface="Arial"/>
+                <a:ea typeface="Arial"/>
+                <a:cs typeface="Arial"/>
+                <a:sym typeface="Arial"/>
+              </a:rPr>
+              <a:t>pyscripts</a:t>
+            </a:r>
+            <a:endParaRPr sz="1150" dirty="0">
+              <a:solidFill>
+                <a:srgbClr val="242729"/>
+              </a:solidFill>
+              <a:latin typeface="Arial"/>
+              <a:ea typeface="Arial"/>
+              <a:cs typeface="Arial"/>
+              <a:sym typeface="Arial"/>
+            </a:endParaRPr>
+          </a:p>
+          <a:p>
+            <a:pPr marL="749300" lvl="0" indent="-301625" algn="l" rtl="0">
+              <a:lnSpc>
+                <a:spcPct val="115000"/>
+              </a:lnSpc>
+              <a:spcBef>
+                <a:spcPts val="0"/>
+              </a:spcBef>
+              <a:spcAft>
+                <a:spcPts val="0"/>
+              </a:spcAft>
+              <a:buClr>
+                <a:srgbClr val="242729"/>
+              </a:buClr>
+              <a:buSzPts val="1150"/>
+              <a:buAutoNum type="arabicPeriod"/>
+            </a:pPr>
+            <a:r>
+              <a:rPr lang="en-US" sz="1150" dirty="0">
+                <a:solidFill>
+                  <a:srgbClr val="242729"/>
+                </a:solidFill>
+                <a:latin typeface="Arial"/>
+                <a:ea typeface="Arial"/>
+                <a:cs typeface="Arial"/>
+                <a:sym typeface="Arial"/>
+              </a:rPr>
+              <a:t>try:</a:t>
+            </a:r>
+            <a:endParaRPr sz="1150" dirty="0">
+              <a:solidFill>
+                <a:srgbClr val="242729"/>
+              </a:solidFill>
+              <a:latin typeface="Arial"/>
+              <a:ea typeface="Arial"/>
+              <a:cs typeface="Arial"/>
+              <a:sym typeface="Arial"/>
+            </a:endParaRPr>
+          </a:p>
+          <a:p>
+            <a:pPr marL="749300" lvl="0" indent="-301625" algn="l" rtl="0">
+              <a:lnSpc>
+                <a:spcPct val="115000"/>
+              </a:lnSpc>
+              <a:spcBef>
+                <a:spcPts val="0"/>
+              </a:spcBef>
+              <a:spcAft>
+                <a:spcPts val="0"/>
+              </a:spcAft>
+              <a:buClr>
+                <a:srgbClr val="242729"/>
+              </a:buClr>
+              <a:buSzPts val="1150"/>
+              <a:buAutoNum type="arabicPeriod"/>
+            </a:pPr>
+            <a:r>
+              <a:rPr lang="en-US" sz="1150" dirty="0">
+                <a:solidFill>
+                  <a:srgbClr val="242729"/>
+                </a:solidFill>
+                <a:latin typeface="Arial"/>
+                <a:ea typeface="Arial"/>
+                <a:cs typeface="Arial"/>
+                <a:sym typeface="Arial"/>
+              </a:rPr>
+              <a:t>&gt; python first.py</a:t>
+            </a:r>
+            <a:endParaRPr sz="1150" dirty="0">
+              <a:solidFill>
+                <a:srgbClr val="242729"/>
+              </a:solidFill>
+              <a:latin typeface="Arial"/>
+              <a:ea typeface="Arial"/>
+              <a:cs typeface="Arial"/>
+              <a:sym typeface="Arial"/>
+            </a:endParaRPr>
+          </a:p>
+          <a:p>
+            <a:pPr marL="0" lvl="0" indent="0" algn="l" rtl="0">
+              <a:spcBef>
+                <a:spcPts val="2200"/>
+              </a:spcBef>
+              <a:spcAft>
+                <a:spcPts val="0"/>
+              </a:spcAft>
+              <a:buNone/>
+            </a:pPr>
+            <a:endParaRPr dirty="0"/>
+          </a:p>
+        </p:txBody>
+      </p:sp>
+      <p:sp>
+        <p:nvSpPr>
+          <p:cNvPr id="300" name="Google Shape;300;g5e13918e3f_0_178:notes"/>
+          <p:cNvSpPr>
+            <a:spLocks noGrp="1" noRot="1" noChangeAspect="1"/>
+          </p:cNvSpPr>
+          <p:nvPr>
+            <p:ph type="sldImg" idx="2"/>
+          </p:nvPr>
+        </p:nvSpPr>
+        <p:spPr>
+          <a:xfrm>
+            <a:off x="685800" y="1143000"/>
+            <a:ext cx="5486400" cy="3086100"/>
+          </a:xfrm>
+          <a:custGeom>
+            <a:avLst/>
+            <a:gdLst/>
+            <a:ahLst/>
+            <a:cxnLst/>
+            <a:rect l="l" t="t" r="r" b="b"/>
+            <a:pathLst>
+              <a:path w="120000" h="120000" extrusionOk="0">
+                <a:moveTo>
+                  <a:pt x="0" y="0"/>
+                </a:moveTo>
+                <a:lnTo>
+                  <a:pt x="120000" y="0"/>
+                </a:lnTo>
+                <a:lnTo>
+                  <a:pt x="120000" y="120000"/>
+                </a:lnTo>
+                <a:lnTo>
+                  <a:pt x="0" y="120000"/>
+                </a:lnTo>
+                <a:close/>
+              </a:path>
+            </a:pathLst>
+          </a:custGeom>
+        </p:spPr>
+      </p:sp>
+    </p:spTree>
+  </p:cSld>
+  <p:clrMapOvr>
+    <a:masterClrMapping/>
+  </p:clrMapOvr>
+</p:notes>
+</file>
+
+<file path=ppt/notesSlides/notesSlide8.xml><?xml version="1.0" encoding="utf-8"?>
+<p:notes xmlns:a="http://schemas.openxmlformats.org/drawingml/2006/main" xmlns:r="http://schemas.openxmlformats.org/officeDocument/2006/relationships" xmlns:p="http://schemas.openxmlformats.org/presentationml/2006/main" showMasterSp="0" showMasterPhAnim="0">
+  <p:cSld>
+    <p:spTree>
+      <p:nvGrpSpPr>
         <p:cNvPr id="1" name="Shape 217"/>
         <p:cNvGrpSpPr/>
         <p:nvPr/>
@@ -2815,7 +3796,7 @@
 </p:notes>
 </file>
 
-<file path=ppt/notesSlides/notesSlide7.xml><?xml version="1.0" encoding="utf-8"?>
+<file path=ppt/notesSlides/notesSlide9.xml><?xml version="1.0" encoding="utf-8"?>
 <p:notes xmlns:a="http://schemas.openxmlformats.org/drawingml/2006/main" xmlns:r="http://schemas.openxmlformats.org/officeDocument/2006/relationships" xmlns:p="http://schemas.openxmlformats.org/presentationml/2006/main" showMasterSp="0" showMasterPhAnim="0">
   <p:cSld>
     <p:spTree>
@@ -2867,7 +3848,7 @@
               <a:buNone/>
             </a:pPr>
             <a:r>
-              <a:rPr lang="en-US">
+              <a:rPr lang="en-US" dirty="0">
                 <a:solidFill>
                   <a:srgbClr val="000000"/>
                 </a:solidFill>
@@ -2878,221 +3859,13 @@
               </a:rPr>
               <a:t>It is a system of decision rights and accountabilities for information-related processes, executed according to agreed-upon models which describe who can take what actions with what information, and when, under what circumstances, using what methods</a:t>
             </a:r>
-            <a:endParaRPr/>
+            <a:endParaRPr dirty="0"/>
           </a:p>
         </p:txBody>
       </p:sp>
       <p:sp>
         <p:nvSpPr>
           <p:cNvPr id="228" name="Google Shape;228;g501fb7fb40_0_6:notes"/>
-          <p:cNvSpPr>
-            <a:spLocks noGrp="1" noRot="1" noChangeAspect="1"/>
-          </p:cNvSpPr>
-          <p:nvPr>
-            <p:ph type="sldImg" idx="2"/>
-          </p:nvPr>
-        </p:nvSpPr>
-        <p:spPr>
-          <a:xfrm>
-            <a:off x="685800" y="1143000"/>
-            <a:ext cx="5486400" cy="3086100"/>
-          </a:xfrm>
-          <a:custGeom>
-            <a:avLst/>
-            <a:gdLst/>
-            <a:ahLst/>
-            <a:cxnLst/>
-            <a:rect l="l" t="t" r="r" b="b"/>
-            <a:pathLst>
-              <a:path w="120000" h="120000" extrusionOk="0">
-                <a:moveTo>
-                  <a:pt x="0" y="0"/>
-                </a:moveTo>
-                <a:lnTo>
-                  <a:pt x="120000" y="0"/>
-                </a:lnTo>
-                <a:lnTo>
-                  <a:pt x="120000" y="120000"/>
-                </a:lnTo>
-                <a:lnTo>
-                  <a:pt x="0" y="120000"/>
-                </a:lnTo>
-                <a:close/>
-              </a:path>
-            </a:pathLst>
-          </a:custGeom>
-        </p:spPr>
-      </p:sp>
-    </p:spTree>
-  </p:cSld>
-  <p:clrMapOvr>
-    <a:masterClrMapping/>
-  </p:clrMapOvr>
-</p:notes>
-</file>
-
-<file path=ppt/notesSlides/notesSlide8.xml><?xml version="1.0" encoding="utf-8"?>
-<p:notes xmlns:a="http://schemas.openxmlformats.org/drawingml/2006/main" xmlns:r="http://schemas.openxmlformats.org/officeDocument/2006/relationships" xmlns:p="http://schemas.openxmlformats.org/presentationml/2006/main" showMasterSp="0" showMasterPhAnim="0">
-  <p:cSld>
-    <p:spTree>
-      <p:nvGrpSpPr>
-        <p:cNvPr id="1" name="Shape 235"/>
-        <p:cNvGrpSpPr/>
-        <p:nvPr/>
-      </p:nvGrpSpPr>
-      <p:grpSpPr>
-        <a:xfrm>
-          <a:off x="0" y="0"/>
-          <a:ext cx="0" cy="0"/>
-          <a:chOff x="0" y="0"/>
-          <a:chExt cx="0" cy="0"/>
-        </a:xfrm>
-      </p:grpSpPr>
-      <p:sp>
-        <p:nvSpPr>
-          <p:cNvPr id="236" name="Google Shape;236;g501fb7fb40_0_54:notes"/>
-          <p:cNvSpPr txBox="1">
-            <a:spLocks noGrp="1"/>
-          </p:cNvSpPr>
-          <p:nvPr>
-            <p:ph type="body" idx="1"/>
-          </p:nvPr>
-        </p:nvSpPr>
-        <p:spPr>
-          <a:xfrm>
-            <a:off x="685800" y="4400550"/>
-            <a:ext cx="5486400" cy="3600600"/>
-          </a:xfrm>
-          <a:prstGeom prst="rect">
-            <a:avLst/>
-          </a:prstGeom>
-        </p:spPr>
-        <p:txBody>
-          <a:bodyPr spcFirstLastPara="1" wrap="square" lIns="91425" tIns="45700" rIns="91425" bIns="45700" anchor="t" anchorCtr="0">
-            <a:noAutofit/>
-          </a:bodyPr>
-          <a:lstStyle/>
-          <a:p>
-            <a:pPr marL="0" lvl="0" indent="0" algn="l" rtl="0">
-              <a:spcBef>
-                <a:spcPts val="0"/>
-              </a:spcBef>
-              <a:spcAft>
-                <a:spcPts val="0"/>
-              </a:spcAft>
-              <a:buNone/>
-            </a:pPr>
-            <a:endParaRPr/>
-          </a:p>
-        </p:txBody>
-      </p:sp>
-      <p:sp>
-        <p:nvSpPr>
-          <p:cNvPr id="237" name="Google Shape;237;g501fb7fb40_0_54:notes"/>
-          <p:cNvSpPr>
-            <a:spLocks noGrp="1" noRot="1" noChangeAspect="1"/>
-          </p:cNvSpPr>
-          <p:nvPr>
-            <p:ph type="sldImg" idx="2"/>
-          </p:nvPr>
-        </p:nvSpPr>
-        <p:spPr>
-          <a:xfrm>
-            <a:off x="685800" y="1143000"/>
-            <a:ext cx="5486400" cy="3086100"/>
-          </a:xfrm>
-          <a:custGeom>
-            <a:avLst/>
-            <a:gdLst/>
-            <a:ahLst/>
-            <a:cxnLst/>
-            <a:rect l="l" t="t" r="r" b="b"/>
-            <a:pathLst>
-              <a:path w="120000" h="120000" extrusionOk="0">
-                <a:moveTo>
-                  <a:pt x="0" y="0"/>
-                </a:moveTo>
-                <a:lnTo>
-                  <a:pt x="120000" y="0"/>
-                </a:lnTo>
-                <a:lnTo>
-                  <a:pt x="120000" y="120000"/>
-                </a:lnTo>
-                <a:lnTo>
-                  <a:pt x="0" y="120000"/>
-                </a:lnTo>
-                <a:close/>
-              </a:path>
-            </a:pathLst>
-          </a:custGeom>
-        </p:spPr>
-      </p:sp>
-    </p:spTree>
-  </p:cSld>
-  <p:clrMapOvr>
-    <a:masterClrMapping/>
-  </p:clrMapOvr>
-</p:notes>
-</file>
-
-<file path=ppt/notesSlides/notesSlide9.xml><?xml version="1.0" encoding="utf-8"?>
-<p:notes xmlns:a="http://schemas.openxmlformats.org/drawingml/2006/main" xmlns:r="http://schemas.openxmlformats.org/officeDocument/2006/relationships" xmlns:p="http://schemas.openxmlformats.org/presentationml/2006/main" showMasterSp="0" showMasterPhAnim="0">
-  <p:cSld>
-    <p:spTree>
-      <p:nvGrpSpPr>
-        <p:cNvPr id="1" name="Shape 243"/>
-        <p:cNvGrpSpPr/>
-        <p:nvPr/>
-      </p:nvGrpSpPr>
-      <p:grpSpPr>
-        <a:xfrm>
-          <a:off x="0" y="0"/>
-          <a:ext cx="0" cy="0"/>
-          <a:chOff x="0" y="0"/>
-          <a:chExt cx="0" cy="0"/>
-        </a:xfrm>
-      </p:grpSpPr>
-      <p:sp>
-        <p:nvSpPr>
-          <p:cNvPr id="244" name="Google Shape;244;g501fb7fb40_0_10:notes"/>
-          <p:cNvSpPr txBox="1">
-            <a:spLocks noGrp="1"/>
-          </p:cNvSpPr>
-          <p:nvPr>
-            <p:ph type="body" idx="1"/>
-          </p:nvPr>
-        </p:nvSpPr>
-        <p:spPr>
-          <a:xfrm>
-            <a:off x="685800" y="4400550"/>
-            <a:ext cx="5486400" cy="3600600"/>
-          </a:xfrm>
-          <a:prstGeom prst="rect">
-            <a:avLst/>
-          </a:prstGeom>
-        </p:spPr>
-        <p:txBody>
-          <a:bodyPr spcFirstLastPara="1" wrap="square" lIns="91425" tIns="45700" rIns="91425" bIns="45700" anchor="t" anchorCtr="0">
-            <a:noAutofit/>
-          </a:bodyPr>
-          <a:lstStyle/>
-          <a:p>
-            <a:pPr marL="0" lvl="0" indent="0" algn="l" rtl="0">
-              <a:spcBef>
-                <a:spcPts val="0"/>
-              </a:spcBef>
-              <a:spcAft>
-                <a:spcPts val="0"/>
-              </a:spcAft>
-              <a:buNone/>
-            </a:pPr>
-            <a:endParaRPr/>
-          </a:p>
-        </p:txBody>
-      </p:sp>
-      <p:sp>
-        <p:nvSpPr>
-          <p:cNvPr id="245" name="Google Shape;245;g501fb7fb40_0_10:notes"/>
           <p:cNvSpPr>
             <a:spLocks noGrp="1" noRot="1" noChangeAspect="1"/>
           </p:cNvSpPr>
@@ -10616,6 +11389,380 @@
   <p:cSld>
     <p:spTree>
       <p:nvGrpSpPr>
+        <p:cNvPr id="1" name="Shape 246"/>
+        <p:cNvGrpSpPr/>
+        <p:nvPr/>
+      </p:nvGrpSpPr>
+      <p:grpSpPr>
+        <a:xfrm>
+          <a:off x="0" y="0"/>
+          <a:ext cx="0" cy="0"/>
+          <a:chOff x="0" y="0"/>
+          <a:chExt cx="0" cy="0"/>
+        </a:xfrm>
+      </p:grpSpPr>
+      <p:sp>
+        <p:nvSpPr>
+          <p:cNvPr id="247" name="Google Shape;247;p36"/>
+          <p:cNvSpPr txBox="1">
+            <a:spLocks noGrp="1"/>
+          </p:cNvSpPr>
+          <p:nvPr>
+            <p:ph type="ctrTitle"/>
+          </p:nvPr>
+        </p:nvSpPr>
+        <p:spPr>
+          <a:xfrm>
+            <a:off x="913795" y="609600"/>
+            <a:ext cx="10353900" cy="970500"/>
+          </a:xfrm>
+          <a:prstGeom prst="rect">
+            <a:avLst/>
+          </a:prstGeom>
+          <a:noFill/>
+          <a:ln>
+            <a:noFill/>
+          </a:ln>
+          <a:effectLst>
+            <a:outerShdw blurRad="25400">
+              <a:srgbClr val="000000">
+                <a:alpha val="45880"/>
+              </a:srgbClr>
+            </a:outerShdw>
+          </a:effectLst>
+        </p:spPr>
+        <p:txBody>
+          <a:bodyPr spcFirstLastPara="1" wrap="square" lIns="91425" tIns="45700" rIns="91425" bIns="45700" anchor="ctr" anchorCtr="0">
+            <a:noAutofit/>
+          </a:bodyPr>
+          <a:lstStyle/>
+          <a:p>
+            <a:pPr marL="0" lvl="0" indent="0" algn="l" rtl="0">
+              <a:spcBef>
+                <a:spcPts val="0"/>
+              </a:spcBef>
+              <a:spcAft>
+                <a:spcPts val="0"/>
+              </a:spcAft>
+              <a:buClr>
+                <a:schemeClr val="lt2"/>
+              </a:buClr>
+              <a:buSzPts val="4000"/>
+              <a:buFont typeface="Lustria"/>
+              <a:buNone/>
+            </a:pPr>
+            <a:r>
+              <a:rPr lang="en-US" sz="4800" dirty="0"/>
+              <a:t>Measuring Data Quality</a:t>
+            </a:r>
+            <a:endParaRPr sz="4800" dirty="0"/>
+          </a:p>
+        </p:txBody>
+      </p:sp>
+      <p:pic>
+        <p:nvPicPr>
+          <p:cNvPr id="248" name="Google Shape;248;p36"/>
+          <p:cNvPicPr preferRelativeResize="0"/>
+          <p:nvPr/>
+        </p:nvPicPr>
+        <p:blipFill>
+          <a:blip r:embed="rId3">
+            <a:alphaModFix/>
+          </a:blip>
+          <a:stretch>
+            <a:fillRect/>
+          </a:stretch>
+        </p:blipFill>
+        <p:spPr>
+          <a:xfrm>
+            <a:off x="7754800" y="1580100"/>
+            <a:ext cx="4179250" cy="4733850"/>
+          </a:xfrm>
+          <a:prstGeom prst="rect">
+            <a:avLst/>
+          </a:prstGeom>
+          <a:noFill/>
+          <a:ln>
+            <a:noFill/>
+          </a:ln>
+        </p:spPr>
+      </p:pic>
+      <p:sp>
+        <p:nvSpPr>
+          <p:cNvPr id="249" name="Google Shape;249;p36"/>
+          <p:cNvSpPr txBox="1"/>
+          <p:nvPr/>
+        </p:nvSpPr>
+        <p:spPr>
+          <a:xfrm>
+            <a:off x="272800" y="1879950"/>
+            <a:ext cx="7406100" cy="4434000"/>
+          </a:xfrm>
+          <a:prstGeom prst="rect">
+            <a:avLst/>
+          </a:prstGeom>
+          <a:noFill/>
+          <a:ln>
+            <a:noFill/>
+          </a:ln>
+        </p:spPr>
+        <p:txBody>
+          <a:bodyPr spcFirstLastPara="1" wrap="square" lIns="91425" tIns="91425" rIns="91425" bIns="91425" anchor="t" anchorCtr="0">
+            <a:noAutofit/>
+          </a:bodyPr>
+          <a:lstStyle/>
+          <a:p>
+            <a:pPr marL="0" lvl="0" indent="0" algn="l" rtl="0">
+              <a:spcBef>
+                <a:spcPts val="0"/>
+              </a:spcBef>
+              <a:spcAft>
+                <a:spcPts val="0"/>
+              </a:spcAft>
+              <a:buClr>
+                <a:srgbClr val="000000"/>
+              </a:buClr>
+              <a:buSzPts val="1100"/>
+              <a:buFont typeface="Arial"/>
+              <a:buNone/>
+            </a:pPr>
+            <a:r>
+              <a:rPr lang="en-US" sz="1800" b="1" dirty="0">
+                <a:latin typeface="Lato"/>
+                <a:ea typeface="Lato"/>
+                <a:cs typeface="Lato"/>
+                <a:sym typeface="Lato"/>
+              </a:rPr>
+              <a:t>What is Data Quality?</a:t>
+            </a:r>
+            <a:endParaRPr sz="1800" b="1" dirty="0">
+              <a:latin typeface="Lato"/>
+              <a:ea typeface="Lato"/>
+              <a:cs typeface="Lato"/>
+              <a:sym typeface="Lato"/>
+            </a:endParaRPr>
+          </a:p>
+          <a:p>
+            <a:pPr marL="0" lvl="0" indent="0" algn="l" rtl="0">
+              <a:spcBef>
+                <a:spcPts val="0"/>
+              </a:spcBef>
+              <a:spcAft>
+                <a:spcPts val="0"/>
+              </a:spcAft>
+              <a:buNone/>
+            </a:pPr>
+            <a:r>
+              <a:rPr lang="en-US" sz="1800" dirty="0">
+                <a:latin typeface="Lato"/>
+                <a:ea typeface="Lato"/>
+                <a:cs typeface="Lato"/>
+                <a:sym typeface="Lato"/>
+              </a:rPr>
+              <a:t>Sometimes errors or incorrect  elements are present in your data set. It’s important to be proactive in cleaning data and periodically testing it for inaccuracies.</a:t>
+            </a:r>
+            <a:endParaRPr sz="1800" dirty="0">
+              <a:latin typeface="Lato"/>
+              <a:ea typeface="Lato"/>
+              <a:cs typeface="Lato"/>
+              <a:sym typeface="Lato"/>
+            </a:endParaRPr>
+          </a:p>
+          <a:p>
+            <a:pPr marL="0" lvl="0" indent="0" algn="l" rtl="0">
+              <a:spcBef>
+                <a:spcPts val="0"/>
+              </a:spcBef>
+              <a:spcAft>
+                <a:spcPts val="0"/>
+              </a:spcAft>
+              <a:buClr>
+                <a:srgbClr val="000000"/>
+              </a:buClr>
+              <a:buSzPts val="1100"/>
+              <a:buFont typeface="Arial"/>
+              <a:buNone/>
+            </a:pPr>
+            <a:endParaRPr sz="1800" b="1" dirty="0">
+              <a:latin typeface="Lato"/>
+              <a:ea typeface="Lato"/>
+              <a:cs typeface="Lato"/>
+              <a:sym typeface="Lato"/>
+            </a:endParaRPr>
+          </a:p>
+          <a:p>
+            <a:pPr marL="0" lvl="0" indent="0" algn="l" rtl="0">
+              <a:spcBef>
+                <a:spcPts val="0"/>
+              </a:spcBef>
+              <a:spcAft>
+                <a:spcPts val="0"/>
+              </a:spcAft>
+              <a:buClr>
+                <a:srgbClr val="000000"/>
+              </a:buClr>
+              <a:buSzPts val="1100"/>
+              <a:buFont typeface="Arial"/>
+              <a:buNone/>
+            </a:pPr>
+            <a:r>
+              <a:rPr lang="en-US" sz="1800" b="1" dirty="0">
+                <a:latin typeface="Lato"/>
+                <a:ea typeface="Lato"/>
+                <a:cs typeface="Lato"/>
+                <a:sym typeface="Lato"/>
+              </a:rPr>
+              <a:t>What is a Data Quality Assessment?</a:t>
+            </a:r>
+            <a:endParaRPr sz="1800" b="1" dirty="0">
+              <a:latin typeface="Lato"/>
+              <a:ea typeface="Lato"/>
+              <a:cs typeface="Lato"/>
+              <a:sym typeface="Lato"/>
+            </a:endParaRPr>
+          </a:p>
+          <a:p>
+            <a:pPr marL="0" lvl="0" indent="0" algn="l" rtl="0">
+              <a:spcBef>
+                <a:spcPts val="0"/>
+              </a:spcBef>
+              <a:spcAft>
+                <a:spcPts val="0"/>
+              </a:spcAft>
+              <a:buNone/>
+            </a:pPr>
+            <a:r>
+              <a:rPr lang="en-US" sz="1800" dirty="0">
+                <a:latin typeface="Lato"/>
+                <a:ea typeface="Lato"/>
+                <a:cs typeface="Lato"/>
+                <a:sym typeface="Lato"/>
+              </a:rPr>
+              <a:t>You can identify these errors and understand their implications by both qualitative assessments and quantitative measurement. This will improve data quality processes for quality and effectiveness.</a:t>
+            </a:r>
+            <a:endParaRPr sz="1800" dirty="0">
+              <a:latin typeface="Lato"/>
+              <a:ea typeface="Lato"/>
+              <a:cs typeface="Lato"/>
+              <a:sym typeface="Lato"/>
+            </a:endParaRPr>
+          </a:p>
+          <a:p>
+            <a:pPr marL="0" lvl="0" indent="0" algn="l" rtl="0">
+              <a:spcBef>
+                <a:spcPts val="0"/>
+              </a:spcBef>
+              <a:spcAft>
+                <a:spcPts val="0"/>
+              </a:spcAft>
+              <a:buClr>
+                <a:srgbClr val="000000"/>
+              </a:buClr>
+              <a:buSzPts val="1100"/>
+              <a:buFont typeface="Arial"/>
+              <a:buNone/>
+            </a:pPr>
+            <a:endParaRPr sz="1800" dirty="0">
+              <a:latin typeface="Lato"/>
+              <a:ea typeface="Lato"/>
+              <a:cs typeface="Lato"/>
+              <a:sym typeface="Lato"/>
+            </a:endParaRPr>
+          </a:p>
+          <a:p>
+            <a:pPr marL="0" lvl="0" indent="0" algn="l" rtl="0">
+              <a:spcBef>
+                <a:spcPts val="0"/>
+              </a:spcBef>
+              <a:spcAft>
+                <a:spcPts val="0"/>
+              </a:spcAft>
+              <a:buClr>
+                <a:srgbClr val="000000"/>
+              </a:buClr>
+              <a:buSzPts val="1100"/>
+              <a:buFont typeface="Arial"/>
+              <a:buNone/>
+            </a:pPr>
+            <a:r>
+              <a:rPr lang="en-US" sz="1800" b="1" dirty="0">
+                <a:latin typeface="Lato"/>
+                <a:ea typeface="Lato"/>
+                <a:cs typeface="Lato"/>
+                <a:sym typeface="Lato"/>
+              </a:rPr>
+              <a:t>What is an Example of Measuring Data Quality?</a:t>
+            </a:r>
+            <a:endParaRPr sz="1800" b="1" dirty="0">
+              <a:latin typeface="Lato"/>
+              <a:ea typeface="Lato"/>
+              <a:cs typeface="Lato"/>
+              <a:sym typeface="Lato"/>
+            </a:endParaRPr>
+          </a:p>
+          <a:p>
+            <a:pPr marL="0" lvl="0" indent="0" algn="l" rtl="0">
+              <a:spcBef>
+                <a:spcPts val="0"/>
+              </a:spcBef>
+              <a:spcAft>
+                <a:spcPts val="0"/>
+              </a:spcAft>
+              <a:buClr>
+                <a:srgbClr val="000000"/>
+              </a:buClr>
+              <a:buSzPts val="1100"/>
+              <a:buFont typeface="Arial"/>
+              <a:buNone/>
+            </a:pPr>
+            <a:r>
+              <a:rPr lang="en-US" sz="1800" dirty="0">
+                <a:latin typeface="Lato"/>
+                <a:ea typeface="Lato"/>
+                <a:cs typeface="Lato"/>
+                <a:sym typeface="Lato"/>
+              </a:rPr>
+              <a:t>Data quality metrics track how the number of known errors in a dataset, such as: such as missing, incomplete or redundant entries. If fewer errors while the size of your data stays the same or grows, you know that organizational data quality is improving.</a:t>
+            </a:r>
+            <a:endParaRPr sz="1800" dirty="0">
+              <a:latin typeface="Lato"/>
+              <a:ea typeface="Lato"/>
+              <a:cs typeface="Lato"/>
+              <a:sym typeface="Lato"/>
+            </a:endParaRPr>
+          </a:p>
+          <a:p>
+            <a:pPr marL="0" lvl="0" indent="0" algn="l" rtl="0">
+              <a:spcBef>
+                <a:spcPts val="0"/>
+              </a:spcBef>
+              <a:spcAft>
+                <a:spcPts val="0"/>
+              </a:spcAft>
+              <a:buNone/>
+            </a:pPr>
+            <a:endParaRPr dirty="0">
+              <a:latin typeface="Lato"/>
+              <a:ea typeface="Lato"/>
+              <a:cs typeface="Lato"/>
+              <a:sym typeface="Lato"/>
+            </a:endParaRPr>
+          </a:p>
+        </p:txBody>
+      </p:sp>
+    </p:spTree>
+  </p:cSld>
+  <p:clrMapOvr>
+    <a:masterClrMapping/>
+  </p:clrMapOvr>
+</p:sld>
+</file>
+
+<file path=ppt/slides/slide11.xml><?xml version="1.0" encoding="utf-8"?>
+<p:sld xmlns:a="http://schemas.openxmlformats.org/drawingml/2006/main" xmlns:r="http://schemas.openxmlformats.org/officeDocument/2006/relationships" xmlns:p="http://schemas.openxmlformats.org/presentationml/2006/main">
+  <p:cSld>
+    <p:spTree>
+      <p:nvGrpSpPr>
         <p:cNvPr id="1" name="Shape 261"/>
         <p:cNvGrpSpPr/>
         <p:nvPr/>
@@ -10680,7 +11827,7 @@
             </a:pPr>
             <a:r>
               <a:rPr lang="en-US" sz="4400" dirty="0"/>
-              <a:t>Appendix: Data Quality w/Python</a:t>
+              <a:t>Data Quality Using Python</a:t>
             </a:r>
             <a:endParaRPr sz="4400" dirty="0"/>
           </a:p>
@@ -10981,13 +12128,85 @@
               <a:buNone/>
             </a:pPr>
             <a:r>
+              <a:rPr lang="en-US" sz="1600" dirty="0" err="1">
+                <a:latin typeface="Lato"/>
+                <a:ea typeface="Lato"/>
+                <a:cs typeface="Lato"/>
+                <a:sym typeface="Lato"/>
+              </a:rPr>
+              <a:t>Pydqc</a:t>
+            </a:r>
+            <a:r>
               <a:rPr lang="en-US" sz="1600" dirty="0">
                 <a:latin typeface="Lato"/>
                 <a:ea typeface="Lato"/>
                 <a:cs typeface="Lato"/>
                 <a:sym typeface="Lato"/>
               </a:rPr>
-              <a:t>To the right, you can see an example of a Python library: </a:t>
+              <a:t> is a python  libraries used to clean data, run summary</a:t>
+            </a:r>
+          </a:p>
+          <a:p>
+            <a:pPr marL="0" lvl="0" indent="0" algn="l" rtl="0">
+              <a:spcBef>
+                <a:spcPts val="0"/>
+              </a:spcBef>
+              <a:spcAft>
+                <a:spcPts val="0"/>
+              </a:spcAft>
+              <a:buNone/>
+            </a:pPr>
+            <a:r>
+              <a:rPr lang="en-US" sz="1600" dirty="0">
+                <a:latin typeface="Lato"/>
+                <a:ea typeface="Lato"/>
+                <a:cs typeface="Lato"/>
+                <a:sym typeface="Lato"/>
+              </a:rPr>
+              <a:t>calculations, and add automatic data quality checks.</a:t>
+            </a:r>
+            <a:endParaRPr sz="1600" dirty="0">
+              <a:latin typeface="Lato"/>
+              <a:ea typeface="Lato"/>
+              <a:cs typeface="Lato"/>
+              <a:sym typeface="Lato"/>
+            </a:endParaRPr>
+          </a:p>
+          <a:p>
+            <a:pPr marL="0" lvl="0" indent="0" algn="l" rtl="0">
+              <a:spcBef>
+                <a:spcPts val="0"/>
+              </a:spcBef>
+              <a:spcAft>
+                <a:spcPts val="0"/>
+              </a:spcAft>
+              <a:buNone/>
+            </a:pPr>
+            <a:endParaRPr lang="en-US" sz="1600" dirty="0">
+              <a:latin typeface="Lato"/>
+              <a:ea typeface="Lato"/>
+              <a:cs typeface="Lato"/>
+              <a:sym typeface="Lato"/>
+            </a:endParaRPr>
+          </a:p>
+          <a:p>
+            <a:pPr marL="0" lvl="0" indent="0" algn="l" rtl="0">
+              <a:spcBef>
+                <a:spcPts val="0"/>
+              </a:spcBef>
+              <a:spcAft>
+                <a:spcPts val="0"/>
+              </a:spcAft>
+              <a:buNone/>
+            </a:pPr>
+            <a:r>
+              <a:rPr lang="en-US" sz="1600" dirty="0">
+                <a:latin typeface="Lato"/>
+                <a:ea typeface="Lato"/>
+                <a:cs typeface="Lato"/>
+                <a:sym typeface="Lato"/>
+              </a:rPr>
+              <a:t>The library allows a user to load the data (via Pandas </a:t>
             </a:r>
             <a:r>
               <a:rPr lang="en-US" sz="1600" dirty="0" err="1">
@@ -10996,7 +12215,7 @@
                 <a:cs typeface="Lato"/>
                 <a:sym typeface="Lato"/>
               </a:rPr>
-              <a:t>pydqc</a:t>
+              <a:t>DataFrame</a:t>
             </a:r>
             <a:r>
               <a:rPr lang="en-US" sz="1600" dirty="0">
@@ -11005,7 +12224,27 @@
                 <a:cs typeface="Lato"/>
                 <a:sym typeface="Lato"/>
               </a:rPr>
-              <a:t>. </a:t>
+              <a:t>), </a:t>
+            </a:r>
+          </a:p>
+          <a:p>
+            <a:pPr marL="0" lvl="0" indent="0" algn="l" rtl="0">
+              <a:spcBef>
+                <a:spcPts val="0"/>
+              </a:spcBef>
+              <a:spcAft>
+                <a:spcPts val="0"/>
+              </a:spcAft>
+              <a:buNone/>
+            </a:pPr>
+            <a:r>
+              <a:rPr lang="en-US" sz="1600" dirty="0">
+                <a:latin typeface="Lato"/>
+                <a:ea typeface="Lato"/>
+                <a:cs typeface="Lato"/>
+                <a:sym typeface="Lato"/>
+              </a:rPr>
+              <a:t>infer the dataset schema and generate a summary of your data.</a:t>
             </a:r>
             <a:endParaRPr sz="1600" dirty="0">
               <a:latin typeface="Lato"/>
@@ -11042,13 +12281,22 @@
               <a:buNone/>
             </a:pPr>
             <a:r>
+              <a:rPr lang="en-US" sz="1600" b="1" u="sng" dirty="0">
+                <a:latin typeface="Lato"/>
+                <a:ea typeface="Lato"/>
+                <a:cs typeface="Lato"/>
+                <a:sym typeface="Lato"/>
+              </a:rPr>
+              <a:t>Library Documentation</a:t>
+            </a:r>
+            <a:r>
               <a:rPr lang="en-US" sz="1600" dirty="0">
                 <a:latin typeface="Lato"/>
                 <a:ea typeface="Lato"/>
                 <a:cs typeface="Lato"/>
                 <a:sym typeface="Lato"/>
               </a:rPr>
-              <a:t>You can use libraries like this to set up a notebook to</a:t>
+              <a:t>: https://github.com/SauceCat/pydqc</a:t>
             </a:r>
             <a:endParaRPr sz="1600" dirty="0">
               <a:latin typeface="Lato"/>
@@ -11067,6 +12315,66 @@
               </a:spcAft>
               <a:buNone/>
             </a:pPr>
+            <a:endParaRPr lang="en-US" sz="1600" b="1" u="sng" dirty="0">
+              <a:latin typeface="Lato"/>
+              <a:ea typeface="Lato"/>
+              <a:cs typeface="Lato"/>
+              <a:sym typeface="Lato"/>
+            </a:endParaRPr>
+          </a:p>
+          <a:p>
+            <a:pPr marL="0" lvl="0" indent="0" algn="l" rtl="0">
+              <a:spcBef>
+                <a:spcPts val="0"/>
+              </a:spcBef>
+              <a:spcAft>
+                <a:spcPts val="0"/>
+              </a:spcAft>
+              <a:buNone/>
+            </a:pPr>
+            <a:endParaRPr lang="en-US" sz="1600" b="1" u="sng" dirty="0">
+              <a:latin typeface="Lato"/>
+              <a:ea typeface="Lato"/>
+              <a:cs typeface="Lato"/>
+              <a:sym typeface="Lato"/>
+            </a:endParaRPr>
+          </a:p>
+          <a:p>
+            <a:pPr marL="0" lvl="0" indent="0" algn="l" rtl="0">
+              <a:spcBef>
+                <a:spcPts val="0"/>
+              </a:spcBef>
+              <a:spcAft>
+                <a:spcPts val="0"/>
+              </a:spcAft>
+              <a:buNone/>
+            </a:pPr>
+            <a:endParaRPr lang="en-US" sz="1600" b="1" u="sng" dirty="0">
+              <a:latin typeface="Lato"/>
+              <a:ea typeface="Lato"/>
+              <a:cs typeface="Lato"/>
+              <a:sym typeface="Lato"/>
+            </a:endParaRPr>
+          </a:p>
+          <a:p>
+            <a:pPr marL="0" lvl="0" indent="0" algn="l" rtl="0">
+              <a:spcBef>
+                <a:spcPts val="0"/>
+              </a:spcBef>
+              <a:spcAft>
+                <a:spcPts val="0"/>
+              </a:spcAft>
+              <a:buNone/>
+            </a:pPr>
+            <a:r>
+              <a:rPr lang="en-US" sz="1600" b="1" u="sng" dirty="0">
+                <a:latin typeface="Lato"/>
+                <a:ea typeface="Lato"/>
+                <a:cs typeface="Lato"/>
+                <a:sym typeface="Lato"/>
+              </a:rPr>
+              <a:t>Examples</a:t>
+            </a:r>
             <a:r>
               <a:rPr lang="en-US" sz="1600" dirty="0">
                 <a:latin typeface="Lato"/>
@@ -11074,7 +12382,7 @@
                 <a:cs typeface="Lato"/>
                 <a:sym typeface="Lato"/>
               </a:rPr>
-              <a:t>import libraries like pandas to clean data, </a:t>
+              <a:t>: (</a:t>
             </a:r>
             <a:r>
               <a:rPr lang="en-US" sz="1600" dirty="0" err="1">
@@ -11083,7 +12391,7 @@
                 <a:cs typeface="Lato"/>
                 <a:sym typeface="Lato"/>
               </a:rPr>
-              <a:t>numpy</a:t>
+              <a:t>Juypter</a:t>
             </a:r>
             <a:r>
               <a:rPr lang="en-US" sz="1600" dirty="0">
@@ -11092,198 +12400,7 @@
                 <a:cs typeface="Lato"/>
                 <a:sym typeface="Lato"/>
               </a:rPr>
-              <a:t> to run </a:t>
-            </a:r>
-            <a:endParaRPr sz="1600" dirty="0">
-              <a:latin typeface="Lato"/>
-              <a:ea typeface="Lato"/>
-              <a:cs typeface="Lato"/>
-              <a:sym typeface="Lato"/>
-            </a:endParaRPr>
-          </a:p>
-          <a:p>
-            <a:pPr marL="0" lvl="0" indent="0" algn="l" rtl="0">
-              <a:spcBef>
-                <a:spcPts val="0"/>
-              </a:spcBef>
-              <a:spcAft>
-                <a:spcPts val="0"/>
-              </a:spcAft>
-              <a:buNone/>
-            </a:pPr>
-            <a:r>
-              <a:rPr lang="en-US" sz="1600" dirty="0">
-                <a:latin typeface="Lato"/>
-                <a:ea typeface="Lato"/>
-                <a:cs typeface="Lato"/>
-                <a:sym typeface="Lato"/>
-              </a:rPr>
-              <a:t>calculations, and </a:t>
-            </a:r>
-            <a:r>
-              <a:rPr lang="en-US" sz="1600" dirty="0" err="1">
-                <a:latin typeface="Lato"/>
-                <a:ea typeface="Lato"/>
-                <a:cs typeface="Lato"/>
-                <a:sym typeface="Lato"/>
-              </a:rPr>
-              <a:t>pydqc</a:t>
-            </a:r>
-            <a:r>
-              <a:rPr lang="en-US" sz="1600" dirty="0">
-                <a:latin typeface="Lato"/>
-                <a:ea typeface="Lato"/>
-                <a:cs typeface="Lato"/>
-                <a:sym typeface="Lato"/>
-              </a:rPr>
-              <a:t> to add automatic data quality checks.</a:t>
-            </a:r>
-            <a:endParaRPr sz="1600" dirty="0">
-              <a:latin typeface="Lato"/>
-              <a:ea typeface="Lato"/>
-              <a:cs typeface="Lato"/>
-              <a:sym typeface="Lato"/>
-            </a:endParaRPr>
-          </a:p>
-          <a:p>
-            <a:pPr marL="0" lvl="0" indent="0" algn="l" rtl="0">
-              <a:spcBef>
-                <a:spcPts val="0"/>
-              </a:spcBef>
-              <a:spcAft>
-                <a:spcPts val="0"/>
-              </a:spcAft>
-              <a:buNone/>
-            </a:pPr>
-            <a:r>
-              <a:rPr lang="en-US" sz="1600" dirty="0">
-                <a:latin typeface="Lato"/>
-                <a:ea typeface="Lato"/>
-                <a:cs typeface="Lato"/>
-                <a:sym typeface="Lato"/>
-              </a:rPr>
-              <a:t>It lets you load the data (CSV), infer the schema of your </a:t>
-            </a:r>
-            <a:endParaRPr sz="1600" dirty="0">
-              <a:latin typeface="Lato"/>
-              <a:ea typeface="Lato"/>
-              <a:cs typeface="Lato"/>
-              <a:sym typeface="Lato"/>
-            </a:endParaRPr>
-          </a:p>
-          <a:p>
-            <a:pPr marL="0" lvl="0" indent="0" algn="l" rtl="0">
-              <a:spcBef>
-                <a:spcPts val="0"/>
-              </a:spcBef>
-              <a:spcAft>
-                <a:spcPts val="0"/>
-              </a:spcAft>
-              <a:buNone/>
-            </a:pPr>
-            <a:r>
-              <a:rPr lang="en-US" sz="1600" dirty="0">
-                <a:latin typeface="Lato"/>
-                <a:ea typeface="Lato"/>
-                <a:cs typeface="Lato"/>
-                <a:sym typeface="Lato"/>
-              </a:rPr>
-              <a:t>database, and generate a summary of your data.</a:t>
-            </a:r>
-            <a:endParaRPr sz="1600" dirty="0">
-              <a:latin typeface="Lato"/>
-              <a:ea typeface="Lato"/>
-              <a:cs typeface="Lato"/>
-              <a:sym typeface="Lato"/>
-            </a:endParaRPr>
-          </a:p>
-          <a:p>
-            <a:pPr marL="0" lvl="0" indent="0" algn="l" rtl="0">
-              <a:spcBef>
-                <a:spcPts val="0"/>
-              </a:spcBef>
-              <a:spcAft>
-                <a:spcPts val="0"/>
-              </a:spcAft>
-              <a:buNone/>
-            </a:pPr>
-            <a:endParaRPr sz="1600" dirty="0">
-              <a:latin typeface="Lato"/>
-              <a:ea typeface="Lato"/>
-              <a:cs typeface="Lato"/>
-              <a:sym typeface="Lato"/>
-            </a:endParaRPr>
-          </a:p>
-          <a:p>
-            <a:pPr marL="0" lvl="0" indent="0" algn="l" rtl="0">
-              <a:spcBef>
-                <a:spcPts val="0"/>
-              </a:spcBef>
-              <a:spcAft>
-                <a:spcPts val="0"/>
-              </a:spcAft>
-              <a:buNone/>
-            </a:pPr>
-            <a:r>
-              <a:rPr lang="en-US" sz="1600" b="1" u="sng" dirty="0">
-                <a:latin typeface="Lato"/>
-                <a:ea typeface="Lato"/>
-                <a:cs typeface="Lato"/>
-                <a:sym typeface="Lato"/>
-              </a:rPr>
-              <a:t>Library Documentation and Examples</a:t>
-            </a:r>
-            <a:endParaRPr sz="1600" b="1" u="sng" dirty="0">
-              <a:latin typeface="Lato"/>
-              <a:ea typeface="Lato"/>
-              <a:cs typeface="Lato"/>
-              <a:sym typeface="Lato"/>
-            </a:endParaRPr>
-          </a:p>
-          <a:p>
-            <a:pPr marL="0" lvl="0" indent="0" algn="l" rtl="0">
-              <a:spcBef>
-                <a:spcPts val="0"/>
-              </a:spcBef>
-              <a:spcAft>
-                <a:spcPts val="0"/>
-              </a:spcAft>
-              <a:buNone/>
-            </a:pPr>
-            <a:r>
-              <a:rPr lang="en-US" sz="1600" dirty="0">
-                <a:latin typeface="Lato"/>
-                <a:ea typeface="Lato"/>
-                <a:cs typeface="Lato"/>
-                <a:sym typeface="Lato"/>
-              </a:rPr>
-              <a:t>https://github.com/SauceCat/pydqc</a:t>
-            </a:r>
-            <a:endParaRPr sz="1600" dirty="0">
-              <a:latin typeface="Lato"/>
-              <a:ea typeface="Lato"/>
-              <a:cs typeface="Lato"/>
-              <a:sym typeface="Lato"/>
-            </a:endParaRPr>
-          </a:p>
-          <a:p>
-            <a:pPr marL="0" lvl="0" indent="0" algn="l" rtl="0">
-              <a:spcBef>
-                <a:spcPts val="0"/>
-              </a:spcBef>
-              <a:spcAft>
-                <a:spcPts val="0"/>
-              </a:spcAft>
-              <a:buNone/>
-            </a:pPr>
-            <a:r>
-              <a:rPr lang="en-US" sz="1600" dirty="0">
-                <a:latin typeface="Lato"/>
-                <a:ea typeface="Lato"/>
-                <a:cs typeface="Lato"/>
-                <a:sym typeface="Lato"/>
-              </a:rPr>
-              <a:t>https://github.com/SauceCat/pydqc/blob/master/test/pydqc_test_on_Zillow.ipynb</a:t>
+              <a:t> Notebook) https://github.com/SauceCat/pydqc/blob/master/test/pydqc_test_on_Zillow.ipynb</a:t>
             </a:r>
             <a:endParaRPr sz="1600" dirty="0">
               <a:latin typeface="Lato"/>
@@ -11312,6 +12429,361 @@
           <a:xfrm>
             <a:off x="7210225" y="2070150"/>
             <a:ext cx="4507642" cy="4003272"/>
+          </a:xfrm>
+          <a:prstGeom prst="rect">
+            <a:avLst/>
+          </a:prstGeom>
+          <a:noFill/>
+          <a:ln>
+            <a:noFill/>
+          </a:ln>
+        </p:spPr>
+      </p:pic>
+    </p:spTree>
+  </p:cSld>
+  <p:clrMapOvr>
+    <a:masterClrMapping/>
+  </p:clrMapOvr>
+</p:sld>
+</file>
+
+<file path=ppt/slides/slide12.xml><?xml version="1.0" encoding="utf-8"?>
+<p:sld xmlns:a="http://schemas.openxmlformats.org/drawingml/2006/main" xmlns:r="http://schemas.openxmlformats.org/officeDocument/2006/relationships" xmlns:p="http://schemas.openxmlformats.org/presentationml/2006/main">
+  <p:cSld>
+    <p:spTree>
+      <p:nvGrpSpPr>
+        <p:cNvPr id="1" name="Shape 238"/>
+        <p:cNvGrpSpPr/>
+        <p:nvPr/>
+      </p:nvGrpSpPr>
+      <p:grpSpPr>
+        <a:xfrm>
+          <a:off x="0" y="0"/>
+          <a:ext cx="0" cy="0"/>
+          <a:chOff x="0" y="0"/>
+          <a:chExt cx="0" cy="0"/>
+        </a:xfrm>
+      </p:grpSpPr>
+      <p:sp>
+        <p:nvSpPr>
+          <p:cNvPr id="239" name="Google Shape;239;p35"/>
+          <p:cNvSpPr txBox="1">
+            <a:spLocks noGrp="1"/>
+          </p:cNvSpPr>
+          <p:nvPr>
+            <p:ph type="ctrTitle"/>
+          </p:nvPr>
+        </p:nvSpPr>
+        <p:spPr>
+          <a:xfrm>
+            <a:off x="913795" y="609600"/>
+            <a:ext cx="10353900" cy="970500"/>
+          </a:xfrm>
+          <a:prstGeom prst="rect">
+            <a:avLst/>
+          </a:prstGeom>
+          <a:noFill/>
+          <a:ln>
+            <a:noFill/>
+          </a:ln>
+          <a:effectLst>
+            <a:outerShdw blurRad="25400">
+              <a:srgbClr val="000000">
+                <a:alpha val="45880"/>
+              </a:srgbClr>
+            </a:outerShdw>
+          </a:effectLst>
+        </p:spPr>
+        <p:txBody>
+          <a:bodyPr spcFirstLastPara="1" wrap="square" lIns="91425" tIns="45700" rIns="91425" bIns="45700" anchor="ctr" anchorCtr="0">
+            <a:noAutofit/>
+          </a:bodyPr>
+          <a:lstStyle/>
+          <a:p>
+            <a:pPr marL="0" lvl="0" indent="0" algn="l" rtl="0">
+              <a:spcBef>
+                <a:spcPts val="0"/>
+              </a:spcBef>
+              <a:spcAft>
+                <a:spcPts val="0"/>
+              </a:spcAft>
+              <a:buClr>
+                <a:schemeClr val="lt2"/>
+              </a:buClr>
+              <a:buSzPts val="4000"/>
+              <a:buFont typeface="Lustria"/>
+              <a:buNone/>
+            </a:pPr>
+            <a:r>
+              <a:rPr lang="en-US" sz="4800" dirty="0"/>
+              <a:t>Data Dictionaries</a:t>
+            </a:r>
+            <a:endParaRPr sz="4800" dirty="0"/>
+          </a:p>
+        </p:txBody>
+      </p:sp>
+      <p:sp>
+        <p:nvSpPr>
+          <p:cNvPr id="240" name="Google Shape;240;p35"/>
+          <p:cNvSpPr txBox="1"/>
+          <p:nvPr/>
+        </p:nvSpPr>
+        <p:spPr>
+          <a:xfrm>
+            <a:off x="106536" y="1650675"/>
+            <a:ext cx="5921406" cy="4759200"/>
+          </a:xfrm>
+          <a:prstGeom prst="rect">
+            <a:avLst/>
+          </a:prstGeom>
+          <a:noFill/>
+          <a:ln>
+            <a:noFill/>
+          </a:ln>
+        </p:spPr>
+        <p:txBody>
+          <a:bodyPr spcFirstLastPara="1" wrap="square" lIns="91425" tIns="91425" rIns="91425" bIns="91425" anchor="t" anchorCtr="0">
+            <a:noAutofit/>
+          </a:bodyPr>
+          <a:lstStyle/>
+          <a:p>
+            <a:pPr marL="0" lvl="0" indent="0" algn="l" rtl="0">
+              <a:lnSpc>
+                <a:spcPct val="115000"/>
+              </a:lnSpc>
+              <a:spcBef>
+                <a:spcPts val="0"/>
+              </a:spcBef>
+              <a:spcAft>
+                <a:spcPts val="0"/>
+              </a:spcAft>
+              <a:buClr>
+                <a:srgbClr val="000000"/>
+              </a:buClr>
+              <a:buSzPts val="1100"/>
+              <a:buFont typeface="Arial"/>
+              <a:buNone/>
+            </a:pPr>
+            <a:r>
+              <a:rPr lang="en-US" sz="1800" b="1" dirty="0"/>
+              <a:t>What is a Data Dictionary?</a:t>
+            </a:r>
+            <a:endParaRPr sz="1800" b="1" dirty="0"/>
+          </a:p>
+          <a:p>
+            <a:pPr marL="0" lvl="0" indent="0" algn="l" rtl="0">
+              <a:lnSpc>
+                <a:spcPct val="115000"/>
+              </a:lnSpc>
+              <a:spcBef>
+                <a:spcPts val="0"/>
+              </a:spcBef>
+              <a:spcAft>
+                <a:spcPts val="0"/>
+              </a:spcAft>
+              <a:buNone/>
+            </a:pPr>
+            <a:r>
+              <a:rPr lang="en-US" sz="1800" dirty="0"/>
+              <a:t>A Data Dictionary is a collection of sources, names, definitions, and attributes that define the data elements captured in a system.  </a:t>
+            </a:r>
+          </a:p>
+          <a:p>
+            <a:pPr marL="0" lvl="0" indent="0" algn="l" rtl="0">
+              <a:lnSpc>
+                <a:spcPct val="115000"/>
+              </a:lnSpc>
+              <a:spcBef>
+                <a:spcPts val="0"/>
+              </a:spcBef>
+              <a:spcAft>
+                <a:spcPts val="0"/>
+              </a:spcAft>
+              <a:buNone/>
+            </a:pPr>
+            <a:endParaRPr lang="en-US" sz="1800" dirty="0"/>
+          </a:p>
+          <a:p>
+            <a:pPr lvl="0">
+              <a:lnSpc>
+                <a:spcPct val="115000"/>
+              </a:lnSpc>
+            </a:pPr>
+            <a:r>
+              <a:rPr lang="en-US" sz="1800" b="1" dirty="0"/>
+              <a:t>The data dictionary contains information about:</a:t>
+            </a:r>
+          </a:p>
+          <a:p>
+            <a:pPr marL="457200" lvl="0" indent="-342900">
+              <a:lnSpc>
+                <a:spcPct val="115000"/>
+              </a:lnSpc>
+              <a:buSzPts val="1800"/>
+              <a:buFont typeface="Arial" panose="020B0604020202020204" pitchFamily="34" charset="0"/>
+              <a:buChar char="•"/>
+            </a:pPr>
+            <a:r>
+              <a:rPr lang="en-US" sz="1800" dirty="0"/>
+              <a:t>Names and physical information of all database schemas, tables and fields.</a:t>
+            </a:r>
+          </a:p>
+          <a:p>
+            <a:pPr marL="457200" lvl="0">
+              <a:lnSpc>
+                <a:spcPct val="115000"/>
+              </a:lnSpc>
+            </a:pPr>
+            <a:endParaRPr lang="en-US" sz="1800" dirty="0"/>
+          </a:p>
+          <a:p>
+            <a:pPr marL="457200" lvl="0" indent="-342900">
+              <a:lnSpc>
+                <a:spcPct val="115000"/>
+              </a:lnSpc>
+              <a:buSzPts val="1800"/>
+              <a:buFont typeface="Arial" panose="020B0604020202020204" pitchFamily="34" charset="0"/>
+              <a:buChar char="•"/>
+            </a:pPr>
+            <a:r>
+              <a:rPr lang="en-US" sz="1800" dirty="0"/>
+              <a:t>“System of record” Source information. </a:t>
+            </a:r>
+          </a:p>
+          <a:p>
+            <a:pPr marL="457200" lvl="0">
+              <a:lnSpc>
+                <a:spcPct val="115000"/>
+              </a:lnSpc>
+            </a:pPr>
+            <a:r>
+              <a:rPr lang="en-US" sz="1800" dirty="0"/>
+              <a:t> </a:t>
+            </a:r>
+          </a:p>
+          <a:p>
+            <a:pPr marL="457200" lvl="0" indent="-342900">
+              <a:lnSpc>
+                <a:spcPct val="115000"/>
+              </a:lnSpc>
+              <a:buSzPts val="1800"/>
+              <a:buFont typeface="Arial" panose="020B0604020202020204" pitchFamily="34" charset="0"/>
+              <a:buChar char="•"/>
+            </a:pPr>
+            <a:r>
+              <a:rPr lang="en-US" sz="1800" dirty="0"/>
+              <a:t>Table constraints such as primary key attributes, foreign key information etc.</a:t>
+            </a:r>
+          </a:p>
+          <a:p>
+            <a:pPr marL="457200" lvl="0">
+              <a:lnSpc>
+                <a:spcPct val="115000"/>
+              </a:lnSpc>
+            </a:pPr>
+            <a:endParaRPr lang="en-US" sz="1800" dirty="0"/>
+          </a:p>
+          <a:p>
+            <a:pPr marL="457200" lvl="0" indent="-342900">
+              <a:lnSpc>
+                <a:spcPct val="115000"/>
+              </a:lnSpc>
+              <a:buSzPts val="1800"/>
+              <a:buFont typeface="Arial" panose="020B0604020202020204" pitchFamily="34" charset="0"/>
+              <a:buChar char="•"/>
+            </a:pPr>
+            <a:r>
+              <a:rPr lang="en-US" sz="1800" dirty="0"/>
+              <a:t>Business rules, transformations and metadata               about field values.</a:t>
+            </a:r>
+          </a:p>
+          <a:p>
+            <a:pPr marL="0" lvl="0" indent="0" algn="l" rtl="0">
+              <a:lnSpc>
+                <a:spcPct val="115000"/>
+              </a:lnSpc>
+              <a:spcBef>
+                <a:spcPts val="0"/>
+              </a:spcBef>
+              <a:spcAft>
+                <a:spcPts val="0"/>
+              </a:spcAft>
+              <a:buNone/>
+            </a:pPr>
+            <a:endParaRPr sz="1800" dirty="0"/>
+          </a:p>
+          <a:p>
+            <a:pPr marL="0" lvl="0" indent="0" algn="l" rtl="0">
+              <a:lnSpc>
+                <a:spcPct val="115000"/>
+              </a:lnSpc>
+              <a:spcBef>
+                <a:spcPts val="0"/>
+              </a:spcBef>
+              <a:spcAft>
+                <a:spcPts val="0"/>
+              </a:spcAft>
+              <a:buClr>
+                <a:srgbClr val="000000"/>
+              </a:buClr>
+              <a:buSzPts val="1100"/>
+              <a:buFont typeface="Arial"/>
+              <a:buNone/>
+            </a:pPr>
+            <a:endParaRPr sz="1800" dirty="0"/>
+          </a:p>
+          <a:p>
+            <a:pPr marL="0" lvl="0" indent="0" algn="l" rtl="0">
+              <a:lnSpc>
+                <a:spcPct val="115000"/>
+              </a:lnSpc>
+              <a:spcBef>
+                <a:spcPts val="0"/>
+              </a:spcBef>
+              <a:spcAft>
+                <a:spcPts val="0"/>
+              </a:spcAft>
+              <a:buNone/>
+            </a:pPr>
+            <a:endParaRPr sz="1800" dirty="0"/>
+          </a:p>
+          <a:p>
+            <a:pPr marL="0" lvl="0" indent="0" algn="l" rtl="0">
+              <a:spcBef>
+                <a:spcPts val="0"/>
+              </a:spcBef>
+              <a:spcAft>
+                <a:spcPts val="0"/>
+              </a:spcAft>
+              <a:buNone/>
+            </a:pPr>
+            <a:endParaRPr sz="2400" dirty="0">
+              <a:latin typeface="Lato"/>
+              <a:ea typeface="Lato"/>
+              <a:cs typeface="Lato"/>
+              <a:sym typeface="Lato"/>
+            </a:endParaRPr>
+          </a:p>
+        </p:txBody>
+      </p:sp>
+      <p:pic>
+        <p:nvPicPr>
+          <p:cNvPr id="242" name="Google Shape;242;p35"/>
+          <p:cNvPicPr preferRelativeResize="0"/>
+          <p:nvPr/>
+        </p:nvPicPr>
+        <p:blipFill>
+          <a:blip r:embed="rId3">
+            <a:alphaModFix/>
+          </a:blip>
+          <a:stretch>
+            <a:fillRect/>
+          </a:stretch>
+        </p:blipFill>
+        <p:spPr>
+          <a:xfrm>
+            <a:off x="5797025" y="1807100"/>
+            <a:ext cx="6315225" cy="4602774"/>
           </a:xfrm>
           <a:prstGeom prst="rect">
             <a:avLst/>
@@ -11455,10 +12927,10 @@
               <a:buNone/>
             </a:pPr>
             <a:r>
-              <a:rPr lang="en-US" sz="3000"/>
+              <a:rPr lang="en-US" sz="3000" dirty="0"/>
               <a:t>Purpose of Database Modeling</a:t>
             </a:r>
-            <a:endParaRPr sz="3000"/>
+            <a:endParaRPr sz="3000" dirty="0"/>
           </a:p>
           <a:p>
             <a:pPr marL="609600" lvl="0" indent="-304800" algn="l" rtl="0">
@@ -11475,10 +12947,10 @@
               <a:buNone/>
             </a:pPr>
             <a:r>
-              <a:rPr lang="en-US" sz="3000"/>
+              <a:rPr lang="en-US" sz="3000" dirty="0"/>
               <a:t>Entity-Relationship Diagrams</a:t>
             </a:r>
-            <a:endParaRPr sz="3000"/>
+            <a:endParaRPr sz="3000" dirty="0"/>
           </a:p>
           <a:p>
             <a:pPr marL="609600" lvl="0" indent="-304800" algn="l" rtl="0">
@@ -11495,10 +12967,10 @@
               <a:buNone/>
             </a:pPr>
             <a:r>
-              <a:rPr lang="en-US" sz="3000"/>
+              <a:rPr lang="en-US" sz="3000" dirty="0"/>
               <a:t>SQL Constraints &amp; Relational Database Modeling</a:t>
             </a:r>
-            <a:endParaRPr sz="3000"/>
+            <a:endParaRPr sz="3000" dirty="0"/>
           </a:p>
           <a:p>
             <a:pPr marL="609600" lvl="0" indent="-304800" algn="l" rtl="0">
@@ -11515,10 +12987,9 @@
               <a:buNone/>
             </a:pPr>
             <a:r>
-              <a:rPr lang="en-US" sz="3000"/>
+              <a:rPr lang="en-US" sz="3000" dirty="0"/>
               <a:t>Normal Forms: 1NF, 2NF, 3NF</a:t>
             </a:r>
-            <a:endParaRPr sz="3000"/>
           </a:p>
           <a:p>
             <a:pPr marL="609600" lvl="0" indent="-304800" algn="l" rtl="0">
@@ -11535,30 +13006,24 @@
               <a:buNone/>
             </a:pPr>
             <a:r>
-              <a:rPr lang="en-US" sz="3000"/>
-              <a:t>Dimensional Data Modeling: Kimball</a:t>
-            </a:r>
-            <a:endParaRPr sz="3000"/>
-          </a:p>
-          <a:p>
-            <a:pPr marL="609600" lvl="0" indent="-304800" algn="l" rtl="0">
+              <a:rPr lang="en-US" sz="3000" dirty="0"/>
+              <a:t>OLAP - Dimensional Data Modeling</a:t>
+            </a:r>
+          </a:p>
+          <a:p>
+            <a:pPr marL="609600" lvl="0" indent="-304800">
               <a:lnSpc>
                 <a:spcPct val="150000"/>
               </a:lnSpc>
               <a:spcBef>
                 <a:spcPts val="1000"/>
               </a:spcBef>
-              <a:spcAft>
-                <a:spcPts val="0"/>
-              </a:spcAft>
               <a:buSzPts val="3000"/>
-              <a:buNone/>
-            </a:pPr>
-            <a:r>
-              <a:rPr lang="en-US" sz="3000"/>
-              <a:t>Database Modeling</a:t>
-            </a:r>
-            <a:endParaRPr sz="3000"/>
+            </a:pPr>
+            <a:r>
+              <a:rPr lang="en-US" sz="3000" dirty="0"/>
+              <a:t>OLAP vs. OLTP</a:t>
+            </a:r>
           </a:p>
         </p:txBody>
       </p:sp>
@@ -11695,10 +13160,10 @@
               <a:buNone/>
             </a:pPr>
             <a:r>
-              <a:rPr lang="en-US" sz="3000"/>
+              <a:rPr lang="en-US" sz="3000" dirty="0"/>
               <a:t>Data Storage Terminology </a:t>
             </a:r>
-            <a:endParaRPr sz="3000"/>
+            <a:endParaRPr sz="3000" dirty="0"/>
           </a:p>
           <a:p>
             <a:pPr marL="609600" lvl="0" indent="-304800" algn="l" rtl="0">
@@ -11715,17 +13180,17 @@
               <a:buNone/>
             </a:pPr>
             <a:r>
-              <a:rPr lang="en-US" sz="3000"/>
+              <a:rPr lang="en-US" sz="3000" dirty="0"/>
               <a:t>Data Management vs. Administration (DBA)</a:t>
             </a:r>
             <a:br>
-              <a:rPr lang="en-US" sz="3000"/>
+              <a:rPr lang="en-US" sz="3000" dirty="0"/>
             </a:br>
             <a:r>
-              <a:rPr lang="en-US" sz="3000"/>
+              <a:rPr lang="en-US" sz="3000" dirty="0"/>
               <a:t>Data Governance &amp; Measuring Data Quality</a:t>
             </a:r>
-            <a:endParaRPr sz="3000"/>
+            <a:endParaRPr sz="3000" dirty="0"/>
           </a:p>
           <a:p>
             <a:pPr marL="609600" lvl="0" indent="-304800" algn="l" rtl="0">
@@ -11742,10 +13207,9 @@
               <a:buNone/>
             </a:pPr>
             <a:r>
-              <a:rPr lang="en-US" sz="3000"/>
+              <a:rPr lang="en-US" sz="3000" dirty="0"/>
               <a:t>Data Dictionaries</a:t>
             </a:r>
-            <a:endParaRPr sz="3000"/>
           </a:p>
         </p:txBody>
       </p:sp>
@@ -11903,7 +13367,7 @@
               </a:spcAft>
               <a:buNone/>
             </a:pPr>
-            <a:endParaRPr sz="1800"/>
+            <a:endParaRPr sz="1800" dirty="0"/>
           </a:p>
           <a:p>
             <a:pPr marL="0" lvl="0" indent="0" algn="l" rtl="0">
@@ -11919,10 +13383,10 @@
               <a:buNone/>
             </a:pPr>
             <a:r>
-              <a:rPr lang="en-US" sz="1800"/>
+              <a:rPr lang="en-US" sz="1800" dirty="0"/>
               <a:t>All business enterprises have three varieties of physical data located within their numerous information systems.  These varieties of data are characterized by their data types and their purpose within the organization.</a:t>
             </a:r>
-            <a:endParaRPr sz="1800"/>
+            <a:endParaRPr sz="1800" dirty="0"/>
           </a:p>
           <a:p>
             <a:pPr marL="0" lvl="0" indent="0" algn="l" rtl="0">
@@ -11937,7 +13401,7 @@
               </a:spcAft>
               <a:buNone/>
             </a:pPr>
-            <a:endParaRPr sz="1800"/>
+            <a:endParaRPr sz="1800" dirty="0"/>
           </a:p>
           <a:p>
             <a:pPr marL="457200" lvl="0" indent="-342900" algn="l" rtl="0">
@@ -11954,14 +13418,14 @@
               <a:buAutoNum type="arabicPeriod"/>
             </a:pPr>
             <a:r>
-              <a:rPr lang="en-US" sz="1800" b="1"/>
-              <a:t>Transactional Data</a:t>
-            </a:r>
-            <a:r>
-              <a:rPr lang="en-US" sz="1800"/>
+              <a:rPr lang="en-US" sz="1800" b="1" dirty="0"/>
+              <a:t>Transactional Data (OLTP)</a:t>
+            </a:r>
+            <a:r>
+              <a:rPr lang="en-US" sz="1800" dirty="0"/>
               <a:t> describes the business events of an organization </a:t>
             </a:r>
-            <a:endParaRPr sz="1800"/>
+            <a:endParaRPr sz="1800" dirty="0"/>
           </a:p>
           <a:p>
             <a:pPr marL="457200" lvl="0" indent="-342900" algn="l" rtl="0">
@@ -11978,14 +13442,14 @@
               <a:buAutoNum type="arabicPeriod"/>
             </a:pPr>
             <a:r>
-              <a:rPr lang="en-US" sz="1800" b="1"/>
-              <a:t>Analytical Data</a:t>
-            </a:r>
-            <a:r>
-              <a:rPr lang="en-US" sz="1800"/>
+              <a:rPr lang="en-US" sz="1800" b="1" dirty="0"/>
+              <a:t>Analytical Data (OLAP)</a:t>
+            </a:r>
+            <a:r>
+              <a:rPr lang="en-US" sz="1800" dirty="0"/>
               <a:t> supports decision making, reporting, query, and analysis (i.e. describes business performance).</a:t>
             </a:r>
-            <a:endParaRPr sz="1800"/>
+            <a:endParaRPr sz="1800" dirty="0"/>
           </a:p>
           <a:p>
             <a:pPr marL="457200" lvl="0" indent="-342900" algn="l" rtl="0">
@@ -12002,14 +13466,14 @@
               <a:buAutoNum type="arabicPeriod"/>
             </a:pPr>
             <a:r>
-              <a:rPr lang="en-US" sz="1800" b="1"/>
+              <a:rPr lang="en-US" sz="1800" b="1" dirty="0"/>
               <a:t>Master Data</a:t>
             </a:r>
             <a:r>
-              <a:rPr lang="en-US" sz="1800"/>
+              <a:rPr lang="en-US" sz="1800" dirty="0"/>
               <a:t> represents the key business entities upon which transactions are executed and the dimensions around which analysis is conducted (i.e. describes key business entities).</a:t>
             </a:r>
-            <a:endParaRPr sz="1800"/>
+            <a:endParaRPr sz="1800" dirty="0"/>
           </a:p>
           <a:p>
             <a:pPr marL="0" lvl="0" indent="0" algn="l" rtl="0">
@@ -12024,7 +13488,7 @@
               </a:spcAft>
               <a:buNone/>
             </a:pPr>
-            <a:endParaRPr/>
+            <a:endParaRPr dirty="0"/>
           </a:p>
           <a:p>
             <a:pPr marL="0" lvl="0" indent="0" algn="l" rtl="0">
@@ -12039,7 +13503,7 @@
               </a:spcAft>
               <a:buNone/>
             </a:pPr>
-            <a:endParaRPr sz="1000">
+            <a:endParaRPr sz="1000" dirty="0">
               <a:solidFill>
                 <a:srgbClr val="777777"/>
               </a:solidFill>
@@ -12736,6 +14200,762 @@
   <p:cSld>
     <p:spTree>
       <p:nvGrpSpPr>
+        <p:cNvPr id="1" name="Shape 208"/>
+        <p:cNvGrpSpPr/>
+        <p:nvPr/>
+      </p:nvGrpSpPr>
+      <p:grpSpPr>
+        <a:xfrm>
+          <a:off x="0" y="0"/>
+          <a:ext cx="0" cy="0"/>
+          <a:chOff x="0" y="0"/>
+          <a:chExt cx="0" cy="0"/>
+        </a:xfrm>
+      </p:grpSpPr>
+      <p:sp>
+        <p:nvSpPr>
+          <p:cNvPr id="209" name="Google Shape;209;p32"/>
+          <p:cNvSpPr txBox="1">
+            <a:spLocks noGrp="1"/>
+          </p:cNvSpPr>
+          <p:nvPr>
+            <p:ph type="ctrTitle"/>
+          </p:nvPr>
+        </p:nvSpPr>
+        <p:spPr>
+          <a:xfrm>
+            <a:off x="913795" y="609600"/>
+            <a:ext cx="10353900" cy="970500"/>
+          </a:xfrm>
+          <a:prstGeom prst="rect">
+            <a:avLst/>
+          </a:prstGeom>
+          <a:noFill/>
+          <a:ln>
+            <a:noFill/>
+          </a:ln>
+          <a:effectLst>
+            <a:outerShdw blurRad="25400">
+              <a:srgbClr val="000000">
+                <a:alpha val="45880"/>
+              </a:srgbClr>
+            </a:outerShdw>
+          </a:effectLst>
+        </p:spPr>
+        <p:txBody>
+          <a:bodyPr spcFirstLastPara="1" wrap="square" lIns="91425" tIns="45700" rIns="91425" bIns="45700" anchor="ctr" anchorCtr="0">
+            <a:noAutofit/>
+          </a:bodyPr>
+          <a:lstStyle/>
+          <a:p>
+            <a:pPr marL="0" lvl="0" indent="0" algn="l" rtl="0">
+              <a:spcBef>
+                <a:spcPts val="0"/>
+              </a:spcBef>
+              <a:spcAft>
+                <a:spcPts val="0"/>
+              </a:spcAft>
+              <a:buClr>
+                <a:schemeClr val="lt2"/>
+              </a:buClr>
+              <a:buSzPts val="4000"/>
+              <a:buFont typeface="Lustria"/>
+              <a:buNone/>
+            </a:pPr>
+            <a:r>
+              <a:rPr lang="en-US" sz="4800"/>
+              <a:t>What is ETL?</a:t>
+            </a:r>
+            <a:endParaRPr sz="4800"/>
+          </a:p>
+        </p:txBody>
+      </p:sp>
+      <p:pic>
+        <p:nvPicPr>
+          <p:cNvPr id="210" name="Google Shape;210;p32"/>
+          <p:cNvPicPr preferRelativeResize="0"/>
+          <p:nvPr/>
+        </p:nvPicPr>
+        <p:blipFill>
+          <a:blip r:embed="rId3">
+            <a:alphaModFix/>
+          </a:blip>
+          <a:stretch>
+            <a:fillRect/>
+          </a:stretch>
+        </p:blipFill>
+        <p:spPr>
+          <a:xfrm>
+            <a:off x="6322489" y="3159925"/>
+            <a:ext cx="5782011" cy="2529625"/>
+          </a:xfrm>
+          <a:prstGeom prst="rect">
+            <a:avLst/>
+          </a:prstGeom>
+          <a:noFill/>
+          <a:ln>
+            <a:noFill/>
+          </a:ln>
+        </p:spPr>
+      </p:pic>
+      <p:sp>
+        <p:nvSpPr>
+          <p:cNvPr id="211" name="Google Shape;211;p32"/>
+          <p:cNvSpPr txBox="1"/>
+          <p:nvPr/>
+        </p:nvSpPr>
+        <p:spPr>
+          <a:xfrm>
+            <a:off x="1044525" y="1739125"/>
+            <a:ext cx="10625400" cy="3000000"/>
+          </a:xfrm>
+          <a:prstGeom prst="rect">
+            <a:avLst/>
+          </a:prstGeom>
+          <a:noFill/>
+          <a:ln>
+            <a:noFill/>
+          </a:ln>
+        </p:spPr>
+        <p:txBody>
+          <a:bodyPr spcFirstLastPara="1" wrap="square" lIns="91425" tIns="91425" rIns="91425" bIns="91425" anchor="t" anchorCtr="0">
+            <a:noAutofit/>
+          </a:bodyPr>
+          <a:lstStyle/>
+          <a:p>
+            <a:pPr marL="0" lvl="0" indent="0" algn="l" rtl="0">
+              <a:spcBef>
+                <a:spcPts val="0"/>
+              </a:spcBef>
+              <a:spcAft>
+                <a:spcPts val="0"/>
+              </a:spcAft>
+              <a:buNone/>
+            </a:pPr>
+            <a:r>
+              <a:rPr lang="en-US" sz="2000"/>
+              <a:t>ETL is short for Extract, Transform, and Load. These functions that let you take data from different formats, manipulate the data in a staging area, then write data to a target database.</a:t>
+            </a:r>
+            <a:endParaRPr sz="2000"/>
+          </a:p>
+          <a:p>
+            <a:pPr marL="0" lvl="0" indent="0" algn="l" rtl="0">
+              <a:spcBef>
+                <a:spcPts val="0"/>
+              </a:spcBef>
+              <a:spcAft>
+                <a:spcPts val="0"/>
+              </a:spcAft>
+              <a:buNone/>
+            </a:pPr>
+            <a:endParaRPr sz="1800"/>
+          </a:p>
+        </p:txBody>
+      </p:sp>
+      <p:sp>
+        <p:nvSpPr>
+          <p:cNvPr id="212" name="Google Shape;212;p32"/>
+          <p:cNvSpPr txBox="1"/>
+          <p:nvPr/>
+        </p:nvSpPr>
+        <p:spPr>
+          <a:xfrm>
+            <a:off x="65400" y="2689550"/>
+            <a:ext cx="6377400" cy="3000000"/>
+          </a:xfrm>
+          <a:prstGeom prst="rect">
+            <a:avLst/>
+          </a:prstGeom>
+          <a:noFill/>
+          <a:ln>
+            <a:noFill/>
+          </a:ln>
+        </p:spPr>
+        <p:txBody>
+          <a:bodyPr spcFirstLastPara="1" wrap="square" lIns="91425" tIns="91425" rIns="91425" bIns="91425" anchor="t" anchorCtr="0">
+            <a:noAutofit/>
+          </a:bodyPr>
+          <a:lstStyle/>
+          <a:p>
+            <a:pPr marL="457200" lvl="0" indent="-342900" algn="l" rtl="0">
+              <a:spcBef>
+                <a:spcPts val="0"/>
+              </a:spcBef>
+              <a:spcAft>
+                <a:spcPts val="0"/>
+              </a:spcAft>
+              <a:buSzPts val="1800"/>
+              <a:buAutoNum type="arabicPeriod"/>
+            </a:pPr>
+            <a:r>
+              <a:rPr lang="en-US" sz="1800" b="1" dirty="0"/>
+              <a:t>The Extract stage</a:t>
+            </a:r>
+            <a:r>
+              <a:rPr lang="en-US" sz="1800" dirty="0"/>
+              <a:t> lets you take data from different sources and allows you to pull it into a centralized staging area.</a:t>
+            </a:r>
+            <a:endParaRPr sz="1800" dirty="0"/>
+          </a:p>
+          <a:p>
+            <a:pPr marL="457200" lvl="0" indent="0" algn="l" rtl="0">
+              <a:spcBef>
+                <a:spcPts val="0"/>
+              </a:spcBef>
+              <a:spcAft>
+                <a:spcPts val="0"/>
+              </a:spcAft>
+              <a:buNone/>
+            </a:pPr>
+            <a:endParaRPr sz="1800" dirty="0"/>
+          </a:p>
+          <a:p>
+            <a:pPr marL="457200" lvl="0" indent="-342900" algn="l" rtl="0">
+              <a:spcBef>
+                <a:spcPts val="0"/>
+              </a:spcBef>
+              <a:spcAft>
+                <a:spcPts val="0"/>
+              </a:spcAft>
+              <a:buSzPts val="1800"/>
+              <a:buAutoNum type="arabicPeriod"/>
+            </a:pPr>
+            <a:r>
+              <a:rPr lang="en-US" sz="1800" b="1" dirty="0"/>
+              <a:t>The Transform stage</a:t>
+            </a:r>
+            <a:r>
+              <a:rPr lang="en-US" sz="1800" dirty="0"/>
+              <a:t> lets you manipulate the data with certain rules applied on the extracted data. </a:t>
+            </a:r>
+            <a:endParaRPr sz="1800" dirty="0"/>
+          </a:p>
+          <a:p>
+            <a:pPr marL="457200" lvl="0" indent="0" algn="l" rtl="0">
+              <a:spcBef>
+                <a:spcPts val="0"/>
+              </a:spcBef>
+              <a:spcAft>
+                <a:spcPts val="0"/>
+              </a:spcAft>
+              <a:buNone/>
+            </a:pPr>
+            <a:r>
+              <a:rPr lang="en-US" sz="1800" dirty="0"/>
+              <a:t>The goal is to load this data into the end, target database in a </a:t>
+            </a:r>
+            <a:r>
+              <a:rPr lang="en-US" sz="1800" u="sng" dirty="0"/>
+              <a:t>cleansed</a:t>
+            </a:r>
+            <a:r>
+              <a:rPr lang="en-US" sz="1800" dirty="0"/>
+              <a:t>, </a:t>
+            </a:r>
+            <a:r>
+              <a:rPr lang="en-US" sz="1800" u="sng" dirty="0"/>
+              <a:t>uniform</a:t>
+            </a:r>
+            <a:r>
+              <a:rPr lang="en-US" sz="1800" dirty="0"/>
+              <a:t> format. </a:t>
+            </a:r>
+            <a:endParaRPr sz="1800" dirty="0"/>
+          </a:p>
+          <a:p>
+            <a:pPr marL="457200" lvl="0" indent="0" algn="l" rtl="0">
+              <a:spcBef>
+                <a:spcPts val="0"/>
+              </a:spcBef>
+              <a:spcAft>
+                <a:spcPts val="0"/>
+              </a:spcAft>
+              <a:buNone/>
+            </a:pPr>
+            <a:endParaRPr sz="1800" dirty="0"/>
+          </a:p>
+          <a:p>
+            <a:pPr marL="457200" lvl="0" indent="-342900" algn="l" rtl="0">
+              <a:spcBef>
+                <a:spcPts val="0"/>
+              </a:spcBef>
+              <a:spcAft>
+                <a:spcPts val="0"/>
+              </a:spcAft>
+              <a:buSzPts val="1800"/>
+              <a:buAutoNum type="arabicPeriod"/>
+            </a:pPr>
+            <a:r>
+              <a:rPr lang="en-US" sz="1800" b="1" dirty="0"/>
+              <a:t>The Load stage</a:t>
+            </a:r>
+            <a:r>
+              <a:rPr lang="en-US" sz="1800" dirty="0"/>
+              <a:t> is the process of writing the data into the final, target database. This final target can be an </a:t>
+            </a:r>
+            <a:r>
+              <a:rPr lang="en-US" sz="1800" u="sng" dirty="0"/>
+              <a:t>operational data store</a:t>
+            </a:r>
+            <a:r>
+              <a:rPr lang="en-US" sz="1800" dirty="0"/>
+              <a:t>, </a:t>
+            </a:r>
+            <a:r>
+              <a:rPr lang="en-US" sz="1800" u="sng" dirty="0"/>
+              <a:t>data marts</a:t>
+            </a:r>
+            <a:r>
+              <a:rPr lang="en-US" sz="1800" dirty="0"/>
+              <a:t>, or a </a:t>
+            </a:r>
+            <a:r>
+              <a:rPr lang="en-US" sz="1800" u="sng" dirty="0"/>
+              <a:t>data warehouse</a:t>
+            </a:r>
+            <a:r>
+              <a:rPr lang="en-US" sz="1800" dirty="0"/>
+              <a:t>. </a:t>
+            </a:r>
+            <a:endParaRPr sz="1800" dirty="0"/>
+          </a:p>
+        </p:txBody>
+      </p:sp>
+    </p:spTree>
+  </p:cSld>
+  <p:clrMapOvr>
+    <a:masterClrMapping/>
+  </p:clrMapOvr>
+</p:sld>
+</file>
+
+<file path=ppt/slides/slide7.xml><?xml version="1.0" encoding="utf-8"?>
+<p:sld xmlns:a="http://schemas.openxmlformats.org/drawingml/2006/main" xmlns:r="http://schemas.openxmlformats.org/officeDocument/2006/relationships" xmlns:p="http://schemas.openxmlformats.org/presentationml/2006/main">
+  <p:cSld>
+    <p:spTree>
+      <p:nvGrpSpPr>
+        <p:cNvPr id="1" name="Shape 301"/>
+        <p:cNvGrpSpPr/>
+        <p:nvPr/>
+      </p:nvGrpSpPr>
+      <p:grpSpPr>
+        <a:xfrm>
+          <a:off x="0" y="0"/>
+          <a:ext cx="0" cy="0"/>
+          <a:chOff x="0" y="0"/>
+          <a:chExt cx="0" cy="0"/>
+        </a:xfrm>
+      </p:grpSpPr>
+      <p:sp>
+        <p:nvSpPr>
+          <p:cNvPr id="302" name="Google Shape;302;p44"/>
+          <p:cNvSpPr txBox="1">
+            <a:spLocks noGrp="1"/>
+          </p:cNvSpPr>
+          <p:nvPr>
+            <p:ph type="ctrTitle"/>
+          </p:nvPr>
+        </p:nvSpPr>
+        <p:spPr>
+          <a:xfrm>
+            <a:off x="913795" y="609600"/>
+            <a:ext cx="10353900" cy="970500"/>
+          </a:xfrm>
+          <a:prstGeom prst="rect">
+            <a:avLst/>
+          </a:prstGeom>
+          <a:noFill/>
+          <a:ln>
+            <a:noFill/>
+          </a:ln>
+          <a:effectLst>
+            <a:outerShdw blurRad="25400">
+              <a:srgbClr val="000000">
+                <a:alpha val="45880"/>
+              </a:srgbClr>
+            </a:outerShdw>
+          </a:effectLst>
+        </p:spPr>
+        <p:txBody>
+          <a:bodyPr spcFirstLastPara="1" wrap="square" lIns="91425" tIns="45700" rIns="91425" bIns="45700" anchor="ctr" anchorCtr="0">
+            <a:noAutofit/>
+          </a:bodyPr>
+          <a:lstStyle/>
+          <a:p>
+            <a:pPr marL="0" lvl="0" indent="0" algn="l" rtl="0">
+              <a:spcBef>
+                <a:spcPts val="0"/>
+              </a:spcBef>
+              <a:spcAft>
+                <a:spcPts val="0"/>
+              </a:spcAft>
+              <a:buClr>
+                <a:schemeClr val="lt2"/>
+              </a:buClr>
+              <a:buSzPts val="4000"/>
+              <a:buFont typeface="Lustria"/>
+              <a:buNone/>
+            </a:pPr>
+            <a:r>
+              <a:rPr lang="en-US" sz="4800" dirty="0"/>
+              <a:t>ETL Using Python</a:t>
+            </a:r>
+            <a:endParaRPr sz="4800" dirty="0"/>
+          </a:p>
+        </p:txBody>
+      </p:sp>
+      <p:sp>
+        <p:nvSpPr>
+          <p:cNvPr id="303" name="Google Shape;303;p44"/>
+          <p:cNvSpPr txBox="1"/>
+          <p:nvPr/>
+        </p:nvSpPr>
+        <p:spPr>
+          <a:xfrm>
+            <a:off x="592075" y="1678775"/>
+            <a:ext cx="11130600" cy="4776300"/>
+          </a:xfrm>
+          <a:prstGeom prst="rect">
+            <a:avLst/>
+          </a:prstGeom>
+          <a:noFill/>
+          <a:ln>
+            <a:noFill/>
+          </a:ln>
+        </p:spPr>
+        <p:txBody>
+          <a:bodyPr spcFirstLastPara="1" wrap="square" lIns="91425" tIns="91425" rIns="91425" bIns="91425" anchor="t" anchorCtr="0">
+            <a:noAutofit/>
+          </a:bodyPr>
+          <a:lstStyle/>
+          <a:p>
+            <a:pPr marL="0" lvl="0" indent="0" algn="l" rtl="0">
+              <a:spcBef>
+                <a:spcPts val="0"/>
+              </a:spcBef>
+              <a:spcAft>
+                <a:spcPts val="0"/>
+              </a:spcAft>
+              <a:buClr>
+                <a:srgbClr val="000000"/>
+              </a:buClr>
+              <a:buSzPts val="1100"/>
+              <a:buFont typeface="Arial"/>
+              <a:buNone/>
+            </a:pPr>
+            <a:r>
+              <a:rPr lang="en-US" sz="1800" dirty="0"/>
+              <a:t>You can run an ETL process with either an ETL tool or by running custom scripts. While there are many software based ETL tools on the market, it’s becoming more and more common to create ETL processes using a scripting language.</a:t>
+            </a:r>
+            <a:endParaRPr sz="1800" dirty="0"/>
+          </a:p>
+          <a:p>
+            <a:pPr marL="0" lvl="0" indent="0" algn="l" rtl="0">
+              <a:spcBef>
+                <a:spcPts val="0"/>
+              </a:spcBef>
+              <a:spcAft>
+                <a:spcPts val="0"/>
+              </a:spcAft>
+              <a:buNone/>
+            </a:pPr>
+            <a:endParaRPr sz="1800" dirty="0"/>
+          </a:p>
+          <a:p>
+            <a:pPr marL="0" lvl="0" indent="0" algn="l" rtl="0">
+              <a:spcBef>
+                <a:spcPts val="0"/>
+              </a:spcBef>
+              <a:spcAft>
+                <a:spcPts val="0"/>
+              </a:spcAft>
+              <a:buClr>
+                <a:srgbClr val="000000"/>
+              </a:buClr>
+              <a:buSzPts val="1100"/>
+              <a:buFont typeface="Arial"/>
+              <a:buNone/>
+            </a:pPr>
+            <a:endParaRPr sz="1800" dirty="0"/>
+          </a:p>
+          <a:p>
+            <a:pPr marL="0" lvl="0" indent="0" algn="l" rtl="0">
+              <a:spcBef>
+                <a:spcPts val="0"/>
+              </a:spcBef>
+              <a:spcAft>
+                <a:spcPts val="0"/>
+              </a:spcAft>
+              <a:buNone/>
+            </a:pPr>
+            <a:endParaRPr dirty="0">
+              <a:latin typeface="Lato"/>
+              <a:ea typeface="Lato"/>
+              <a:cs typeface="Lato"/>
+              <a:sym typeface="Lato"/>
+            </a:endParaRPr>
+          </a:p>
+        </p:txBody>
+      </p:sp>
+      <p:sp>
+        <p:nvSpPr>
+          <p:cNvPr id="304" name="Google Shape;304;p44"/>
+          <p:cNvSpPr txBox="1"/>
+          <p:nvPr/>
+        </p:nvSpPr>
+        <p:spPr>
+          <a:xfrm>
+            <a:off x="216975" y="2726675"/>
+            <a:ext cx="5162700" cy="3000000"/>
+          </a:xfrm>
+          <a:prstGeom prst="rect">
+            <a:avLst/>
+          </a:prstGeom>
+          <a:noFill/>
+          <a:ln>
+            <a:noFill/>
+          </a:ln>
+        </p:spPr>
+        <p:txBody>
+          <a:bodyPr spcFirstLastPara="1" wrap="square" lIns="91425" tIns="91425" rIns="91425" bIns="91425" anchor="t" anchorCtr="0">
+            <a:noAutofit/>
+          </a:bodyPr>
+          <a:lstStyle/>
+          <a:p>
+            <a:pPr marL="0" lvl="0" indent="0" algn="l" rtl="0">
+              <a:spcBef>
+                <a:spcPts val="0"/>
+              </a:spcBef>
+              <a:spcAft>
+                <a:spcPts val="0"/>
+              </a:spcAft>
+              <a:buNone/>
+            </a:pPr>
+            <a:r>
+              <a:rPr lang="en-US" sz="1800" b="1" dirty="0"/>
+              <a:t>Why Python for ETL?</a:t>
+            </a:r>
+            <a:endParaRPr sz="1800" b="1" dirty="0"/>
+          </a:p>
+          <a:p>
+            <a:pPr marL="457200" lvl="0" indent="-342900" algn="l" rtl="0">
+              <a:spcBef>
+                <a:spcPts val="0"/>
+              </a:spcBef>
+              <a:spcAft>
+                <a:spcPts val="0"/>
+              </a:spcAft>
+              <a:buSzPts val="1800"/>
+              <a:buChar char="●"/>
+            </a:pPr>
+            <a:r>
+              <a:rPr lang="en-US" sz="1800" dirty="0"/>
+              <a:t>Common language for data scientists and data engineers. </a:t>
+            </a:r>
+            <a:endParaRPr sz="1800" dirty="0"/>
+          </a:p>
+          <a:p>
+            <a:pPr marL="457200" lvl="0" indent="0" algn="l" rtl="0">
+              <a:spcBef>
+                <a:spcPts val="0"/>
+              </a:spcBef>
+              <a:spcAft>
+                <a:spcPts val="0"/>
+              </a:spcAft>
+              <a:buNone/>
+            </a:pPr>
+            <a:endParaRPr sz="1800" dirty="0"/>
+          </a:p>
+          <a:p>
+            <a:pPr marL="457200" lvl="0" indent="-342900" algn="l" rtl="0">
+              <a:spcBef>
+                <a:spcPts val="0"/>
+              </a:spcBef>
+              <a:spcAft>
+                <a:spcPts val="0"/>
+              </a:spcAft>
+              <a:buSzPts val="1800"/>
+              <a:buChar char="●"/>
+            </a:pPr>
+            <a:r>
+              <a:rPr lang="en-US" sz="1800" dirty="0"/>
+              <a:t>Libraries that include ETL processes and connections to a variety of data sources</a:t>
+            </a:r>
+            <a:endParaRPr sz="1800" dirty="0"/>
+          </a:p>
+          <a:p>
+            <a:pPr marL="914400" lvl="1" indent="-342900" algn="l" rtl="0">
+              <a:spcBef>
+                <a:spcPts val="0"/>
+              </a:spcBef>
+              <a:spcAft>
+                <a:spcPts val="0"/>
+              </a:spcAft>
+              <a:buSzPts val="1800"/>
+              <a:buChar char="○"/>
+            </a:pPr>
+            <a:r>
+              <a:rPr lang="en-US" sz="1800" dirty="0"/>
+              <a:t>Databases, Files, APIs, etc.</a:t>
+            </a:r>
+            <a:endParaRPr sz="1800" dirty="0"/>
+          </a:p>
+          <a:p>
+            <a:pPr marL="914400" lvl="0" indent="0" algn="l" rtl="0">
+              <a:spcBef>
+                <a:spcPts val="0"/>
+              </a:spcBef>
+              <a:spcAft>
+                <a:spcPts val="0"/>
+              </a:spcAft>
+              <a:buNone/>
+            </a:pPr>
+            <a:endParaRPr sz="1800" dirty="0"/>
+          </a:p>
+          <a:p>
+            <a:pPr marL="457200" lvl="0" indent="-342900" algn="l" rtl="0">
+              <a:spcBef>
+                <a:spcPts val="0"/>
+              </a:spcBef>
+              <a:spcAft>
+                <a:spcPts val="0"/>
+              </a:spcAft>
+              <a:buSzPts val="1800"/>
+              <a:buChar char="●"/>
+            </a:pPr>
+            <a:r>
+              <a:rPr lang="en-US" sz="1800" dirty="0"/>
+              <a:t>Flexible -  Adjust “on the fly” to specific project needs.</a:t>
+            </a:r>
+            <a:endParaRPr sz="1800" dirty="0"/>
+          </a:p>
+          <a:p>
+            <a:pPr marL="457200" lvl="0" indent="0" algn="l" rtl="0">
+              <a:spcBef>
+                <a:spcPts val="0"/>
+              </a:spcBef>
+              <a:spcAft>
+                <a:spcPts val="0"/>
+              </a:spcAft>
+              <a:buNone/>
+            </a:pPr>
+            <a:endParaRPr sz="1800" dirty="0"/>
+          </a:p>
+          <a:p>
+            <a:pPr marL="457200" lvl="0" indent="-342900" algn="l" rtl="0">
+              <a:spcBef>
+                <a:spcPts val="0"/>
+              </a:spcBef>
+              <a:spcAft>
+                <a:spcPts val="0"/>
+              </a:spcAft>
+              <a:buSzPts val="1800"/>
+              <a:buChar char="●"/>
+            </a:pPr>
+            <a:r>
+              <a:rPr lang="en-US" sz="1800" dirty="0"/>
+              <a:t>The processes are also known as “Data Pipelines”.</a:t>
+            </a:r>
+            <a:endParaRPr dirty="0"/>
+          </a:p>
+        </p:txBody>
+      </p:sp>
+      <p:pic>
+        <p:nvPicPr>
+          <p:cNvPr id="305" name="Google Shape;305;p44"/>
+          <p:cNvPicPr preferRelativeResize="0"/>
+          <p:nvPr/>
+        </p:nvPicPr>
+        <p:blipFill>
+          <a:blip r:embed="rId3">
+            <a:alphaModFix/>
+          </a:blip>
+          <a:stretch>
+            <a:fillRect/>
+          </a:stretch>
+        </p:blipFill>
+        <p:spPr>
+          <a:xfrm>
+            <a:off x="5287625" y="2726685"/>
+            <a:ext cx="6812326" cy="3728389"/>
+          </a:xfrm>
+          <a:prstGeom prst="rect">
+            <a:avLst/>
+          </a:prstGeom>
+          <a:noFill/>
+          <a:ln>
+            <a:noFill/>
+          </a:ln>
+        </p:spPr>
+      </p:pic>
+      <p:sp>
+        <p:nvSpPr>
+          <p:cNvPr id="306" name="Google Shape;306;p44"/>
+          <p:cNvSpPr txBox="1"/>
+          <p:nvPr/>
+        </p:nvSpPr>
+        <p:spPr>
+          <a:xfrm>
+            <a:off x="5287625" y="6455075"/>
+            <a:ext cx="9905400" cy="352800"/>
+          </a:xfrm>
+          <a:prstGeom prst="rect">
+            <a:avLst/>
+          </a:prstGeom>
+          <a:noFill/>
+          <a:ln>
+            <a:noFill/>
+          </a:ln>
+        </p:spPr>
+        <p:txBody>
+          <a:bodyPr spcFirstLastPara="1" wrap="square" lIns="91425" tIns="91425" rIns="91425" bIns="91425" anchor="t" anchorCtr="0">
+            <a:noAutofit/>
+          </a:bodyPr>
+          <a:lstStyle/>
+          <a:p>
+            <a:pPr marL="0" lvl="0" indent="0" algn="l" rtl="0">
+              <a:spcBef>
+                <a:spcPts val="0"/>
+              </a:spcBef>
+              <a:spcAft>
+                <a:spcPts val="0"/>
+              </a:spcAft>
+              <a:buNone/>
+            </a:pPr>
+            <a:r>
+              <a:rPr lang="en-US" b="1"/>
+              <a:t>Python ETL &amp; Data-Cleaning Example</a:t>
+            </a:r>
+            <a:r>
+              <a:rPr lang="en-US"/>
+              <a:t> - </a:t>
+            </a:r>
+            <a:r>
+              <a:rPr lang="en-US" u="sng">
+                <a:solidFill>
+                  <a:schemeClr val="hlink"/>
+                </a:solidFill>
+                <a:hlinkClick r:id="rId4"/>
+              </a:rPr>
+              <a:t>Google Drive - Jupyter Notebook</a:t>
+            </a:r>
+            <a:endParaRPr/>
+          </a:p>
+        </p:txBody>
+      </p:sp>
+    </p:spTree>
+  </p:cSld>
+  <p:clrMapOvr>
+    <a:masterClrMapping/>
+  </p:clrMapOvr>
+</p:sld>
+</file>
+
+<file path=ppt/slides/slide8.xml><?xml version="1.0" encoding="utf-8"?>
+<p:sld xmlns:a="http://schemas.openxmlformats.org/drawingml/2006/main" xmlns:r="http://schemas.openxmlformats.org/officeDocument/2006/relationships" xmlns:p="http://schemas.openxmlformats.org/presentationml/2006/main">
+  <p:cSld>
+    <p:spTree>
+      <p:nvGrpSpPr>
         <p:cNvPr id="1" name="Shape 220"/>
         <p:cNvGrpSpPr/>
         <p:nvPr/>
@@ -13164,10 +15384,10 @@
               <a:buNone/>
             </a:pPr>
             <a:r>
-              <a:rPr lang="en-US" b="1"/>
+              <a:rPr lang="en-US" b="1" dirty="0"/>
               <a:t>What are the Similarities Between the Two Roles?</a:t>
             </a:r>
-            <a:endParaRPr b="1"/>
+            <a:endParaRPr b="1" dirty="0"/>
           </a:p>
           <a:p>
             <a:pPr marL="0" lvl="0" indent="0" algn="l" rtl="0">
@@ -13188,10 +15408,10 @@
               <a:buNone/>
             </a:pPr>
             <a:r>
-              <a:rPr lang="en-US"/>
-              <a:t>Professionals in both specializations have to coordinate the database planning, goals, design, and communicate with each other while the project is being implemented. </a:t>
-            </a:r>
-            <a:endParaRPr/>
+              <a:rPr lang="en-US" dirty="0"/>
+              <a:t>Professionals in both specializations coordinate the database planning, goals, design, and communicate actions while the project is being implemented. </a:t>
+            </a:r>
+            <a:endParaRPr dirty="0"/>
           </a:p>
           <a:p>
             <a:pPr marL="0" lvl="0" indent="0" algn="l" rtl="0">
@@ -13212,10 +15432,10 @@
               <a:buNone/>
             </a:pPr>
             <a:r>
-              <a:rPr lang="en-US" b="1"/>
+              <a:rPr lang="en-US" b="1" dirty="0"/>
               <a:t>What are the Differences?</a:t>
             </a:r>
-            <a:endParaRPr b="1"/>
+            <a:endParaRPr b="1" dirty="0"/>
           </a:p>
           <a:p>
             <a:pPr marL="0" lvl="0" indent="0" algn="l" rtl="0">
@@ -13236,10 +15456,10 @@
               <a:buNone/>
             </a:pPr>
             <a:r>
-              <a:rPr lang="en-US"/>
+              <a:rPr lang="en-US" dirty="0"/>
               <a:t>Data management focuses on the “Logical” design - planning, organization, and design of a database system. DBA’s focus in the physical design of the database  performance, storage, access, backups, etc. </a:t>
             </a:r>
-            <a:endParaRPr/>
+            <a:endParaRPr dirty="0"/>
           </a:p>
           <a:p>
             <a:pPr marL="0" lvl="0" indent="0" algn="l" rtl="0">
@@ -13251,7 +15471,7 @@
               </a:spcAft>
               <a:buNone/>
             </a:pPr>
-            <a:endParaRPr>
+            <a:endParaRPr dirty="0">
               <a:latin typeface="Lato"/>
               <a:ea typeface="Lato"/>
               <a:cs typeface="Lato"/>
@@ -13268,7 +15488,7 @@
 </p:sld>
 </file>
 
-<file path=ppt/slides/slide7.xml><?xml version="1.0" encoding="utf-8"?>
+<file path=ppt/slides/slide9.xml><?xml version="1.0" encoding="utf-8"?>
 <p:sld xmlns:a="http://schemas.openxmlformats.org/drawingml/2006/main" xmlns:r="http://schemas.openxmlformats.org/officeDocument/2006/relationships" xmlns:p="http://schemas.openxmlformats.org/presentationml/2006/main">
   <p:cSld>
     <p:spTree>
@@ -13336,10 +15556,10 @@
               <a:buNone/>
             </a:pPr>
             <a:r>
-              <a:rPr lang="en-US" sz="4800"/>
-              <a:t>Data Governance </a:t>
-            </a:r>
-            <a:endParaRPr sz="4800"/>
+              <a:rPr lang="en-US" sz="4800" dirty="0"/>
+              <a:t>Data Governance &amp; Stewardship </a:t>
+            </a:r>
+            <a:endParaRPr sz="4800" dirty="0"/>
           </a:p>
         </p:txBody>
       </p:sp>
@@ -13422,7 +15642,7 @@
         </p:nvSpPr>
         <p:spPr>
           <a:xfrm>
-            <a:off x="742300" y="1980775"/>
+            <a:off x="742300" y="2245128"/>
             <a:ext cx="6887700" cy="2407500"/>
           </a:xfrm>
           <a:prstGeom prst="rect">
@@ -13449,7 +15669,7 @@
               <a:buNone/>
             </a:pPr>
             <a:r>
-              <a:rPr lang="en-US" sz="1800" b="1">
+              <a:rPr lang="en-US" sz="1800" b="1" dirty="0">
                 <a:latin typeface="Lato"/>
                 <a:ea typeface="Lato"/>
                 <a:cs typeface="Lato"/>
@@ -13457,7 +15677,7 @@
               </a:rPr>
               <a:t>What is Data Governance?</a:t>
             </a:r>
-            <a:endParaRPr sz="1800" b="1">
+            <a:endParaRPr sz="1800" b="1" dirty="0">
               <a:latin typeface="Lato"/>
               <a:ea typeface="Lato"/>
               <a:cs typeface="Lato"/>
@@ -13483,7 +15703,7 @@
               <a:buNone/>
             </a:pPr>
             <a:r>
-              <a:rPr lang="en-US" sz="1800">
+              <a:rPr lang="en-US" sz="1800" dirty="0">
                 <a:latin typeface="Lato"/>
                 <a:ea typeface="Lato"/>
                 <a:cs typeface="Lato"/>
@@ -13491,7 +15711,7 @@
               </a:rPr>
               <a:t>Data Governance is a quality control discipline for assessing, managing, using, improving, monitoring, maintaining, and protecting organizational information. </a:t>
             </a:r>
-            <a:endParaRPr sz="1800">
+            <a:endParaRPr sz="1800" dirty="0">
               <a:latin typeface="Lato"/>
               <a:ea typeface="Lato"/>
               <a:cs typeface="Lato"/>
@@ -13508,7 +15728,7 @@
         </p:nvSpPr>
         <p:spPr>
           <a:xfrm>
-            <a:off x="742300" y="3418700"/>
+            <a:off x="742300" y="3514626"/>
             <a:ext cx="6887700" cy="2323800"/>
           </a:xfrm>
           <a:prstGeom prst="rect">
@@ -13534,16 +15754,7 @@
               </a:spcAft>
               <a:buNone/>
             </a:pPr>
-            <a:r>
-              <a:rPr lang="en-US" sz="1800" b="1">
-                <a:latin typeface="Lato"/>
-                <a:ea typeface="Lato"/>
-                <a:cs typeface="Lato"/>
-                <a:sym typeface="Lato"/>
-              </a:rPr>
-              <a:t>Who Needs Data Governance?</a:t>
-            </a:r>
-            <a:endParaRPr sz="1800" b="1">
+            <a:endParaRPr sz="1800" dirty="0">
               <a:latin typeface="Lato"/>
               <a:ea typeface="Lato"/>
               <a:cs typeface="Lato"/>
@@ -13558,49 +15769,6 @@
               <a:spcAft>
                 <a:spcPts val="0"/>
               </a:spcAft>
-              <a:buNone/>
-            </a:pPr>
-            <a:r>
-              <a:rPr lang="en-US" sz="1800">
-                <a:latin typeface="Lato"/>
-                <a:ea typeface="Lato"/>
-                <a:cs typeface="Lato"/>
-                <a:sym typeface="Lato"/>
-              </a:rPr>
-              <a:t>Organizations that need to prevent sensitive information from being accessed by unauthorized users.</a:t>
-            </a:r>
-            <a:endParaRPr sz="1800">
-              <a:latin typeface="Lato"/>
-              <a:ea typeface="Lato"/>
-              <a:cs typeface="Lato"/>
-              <a:sym typeface="Lato"/>
-            </a:endParaRPr>
-          </a:p>
-          <a:p>
-            <a:pPr marL="0" lvl="0" indent="0" algn="l" rtl="0">
-              <a:spcBef>
-                <a:spcPts val="0"/>
-              </a:spcBef>
-              <a:spcAft>
-                <a:spcPts val="0"/>
-              </a:spcAft>
-              <a:buNone/>
-            </a:pPr>
-            <a:endParaRPr sz="1800">
-              <a:latin typeface="Lato"/>
-              <a:ea typeface="Lato"/>
-              <a:cs typeface="Lato"/>
-              <a:sym typeface="Lato"/>
-            </a:endParaRPr>
-          </a:p>
-          <a:p>
-            <a:pPr marL="0" lvl="0" indent="0" algn="l" rtl="0">
-              <a:spcBef>
-                <a:spcPts val="0"/>
-              </a:spcBef>
-              <a:spcAft>
-                <a:spcPts val="0"/>
-              </a:spcAft>
               <a:buClr>
                 <a:srgbClr val="000000"/>
               </a:buClr>
@@ -13609,7 +15777,7 @@
               <a:buNone/>
             </a:pPr>
             <a:r>
-              <a:rPr lang="en-US" sz="1800" b="1">
+              <a:rPr lang="en-US" sz="1800" b="1" dirty="0">
                 <a:latin typeface="Lato"/>
                 <a:ea typeface="Lato"/>
                 <a:cs typeface="Lato"/>
@@ -13617,7 +15785,7 @@
               </a:rPr>
               <a:t>What is a Data Steward?</a:t>
             </a:r>
-            <a:endParaRPr sz="1800" b="1">
+            <a:endParaRPr sz="1800" b="1" dirty="0">
               <a:latin typeface="Lato"/>
               <a:ea typeface="Lato"/>
               <a:cs typeface="Lato"/>
@@ -13640,7 +15808,7 @@
               <a:buNone/>
             </a:pPr>
             <a:r>
-              <a:rPr lang="en-US" sz="1800">
+              <a:rPr lang="en-US" sz="1800" dirty="0">
                 <a:latin typeface="Lato"/>
                 <a:ea typeface="Lato"/>
                 <a:cs typeface="Lato"/>
@@ -13648,787 +15816,7 @@
               </a:rPr>
               <a:t>This is a position within an organization that ensures data governance processes are followed, guidelines are enforced, and recommends improvements to be made to data governance processes.</a:t>
             </a:r>
-            <a:endParaRPr>
-              <a:latin typeface="Lato"/>
-              <a:ea typeface="Lato"/>
-              <a:cs typeface="Lato"/>
-              <a:sym typeface="Lato"/>
-            </a:endParaRPr>
-          </a:p>
-        </p:txBody>
-      </p:sp>
-    </p:spTree>
-  </p:cSld>
-  <p:clrMapOvr>
-    <a:masterClrMapping/>
-  </p:clrMapOvr>
-</p:sld>
-</file>
-
-<file path=ppt/slides/slide8.xml><?xml version="1.0" encoding="utf-8"?>
-<p:sld xmlns:a="http://schemas.openxmlformats.org/drawingml/2006/main" xmlns:r="http://schemas.openxmlformats.org/officeDocument/2006/relationships" xmlns:p="http://schemas.openxmlformats.org/presentationml/2006/main">
-  <p:cSld>
-    <p:spTree>
-      <p:nvGrpSpPr>
-        <p:cNvPr id="1" name="Shape 238"/>
-        <p:cNvGrpSpPr/>
-        <p:nvPr/>
-      </p:nvGrpSpPr>
-      <p:grpSpPr>
-        <a:xfrm>
-          <a:off x="0" y="0"/>
-          <a:ext cx="0" cy="0"/>
-          <a:chOff x="0" y="0"/>
-          <a:chExt cx="0" cy="0"/>
-        </a:xfrm>
-      </p:grpSpPr>
-      <p:sp>
-        <p:nvSpPr>
-          <p:cNvPr id="239" name="Google Shape;239;p35"/>
-          <p:cNvSpPr txBox="1">
-            <a:spLocks noGrp="1"/>
-          </p:cNvSpPr>
-          <p:nvPr>
-            <p:ph type="ctrTitle"/>
-          </p:nvPr>
-        </p:nvSpPr>
-        <p:spPr>
-          <a:xfrm>
-            <a:off x="913795" y="609600"/>
-            <a:ext cx="10353900" cy="970500"/>
-          </a:xfrm>
-          <a:prstGeom prst="rect">
-            <a:avLst/>
-          </a:prstGeom>
-          <a:noFill/>
-          <a:ln>
-            <a:noFill/>
-          </a:ln>
-          <a:effectLst>
-            <a:outerShdw blurRad="25400">
-              <a:srgbClr val="000000">
-                <a:alpha val="45880"/>
-              </a:srgbClr>
-            </a:outerShdw>
-          </a:effectLst>
-        </p:spPr>
-        <p:txBody>
-          <a:bodyPr spcFirstLastPara="1" wrap="square" lIns="91425" tIns="45700" rIns="91425" bIns="45700" anchor="ctr" anchorCtr="0">
-            <a:noAutofit/>
-          </a:bodyPr>
-          <a:lstStyle/>
-          <a:p>
-            <a:pPr marL="0" lvl="0" indent="0" algn="l" rtl="0">
-              <a:spcBef>
-                <a:spcPts val="0"/>
-              </a:spcBef>
-              <a:spcAft>
-                <a:spcPts val="0"/>
-              </a:spcAft>
-              <a:buClr>
-                <a:schemeClr val="lt2"/>
-              </a:buClr>
-              <a:buSzPts val="4000"/>
-              <a:buFont typeface="Lustria"/>
-              <a:buNone/>
-            </a:pPr>
-            <a:r>
-              <a:rPr lang="en-US" sz="4800"/>
-              <a:t>Data Dictionaries</a:t>
-            </a:r>
-            <a:endParaRPr sz="4800"/>
-          </a:p>
-        </p:txBody>
-      </p:sp>
-      <p:sp>
-        <p:nvSpPr>
-          <p:cNvPr id="240" name="Google Shape;240;p35"/>
-          <p:cNvSpPr txBox="1"/>
-          <p:nvPr/>
-        </p:nvSpPr>
-        <p:spPr>
-          <a:xfrm>
-            <a:off x="0" y="1650675"/>
-            <a:ext cx="5866200" cy="4759200"/>
-          </a:xfrm>
-          <a:prstGeom prst="rect">
-            <a:avLst/>
-          </a:prstGeom>
-          <a:noFill/>
-          <a:ln>
-            <a:noFill/>
-          </a:ln>
-        </p:spPr>
-        <p:txBody>
-          <a:bodyPr spcFirstLastPara="1" wrap="square" lIns="91425" tIns="91425" rIns="91425" bIns="91425" anchor="t" anchorCtr="0">
-            <a:noAutofit/>
-          </a:bodyPr>
-          <a:lstStyle/>
-          <a:p>
-            <a:pPr marL="0" lvl="0" indent="0" algn="l" rtl="0">
-              <a:lnSpc>
-                <a:spcPct val="115000"/>
-              </a:lnSpc>
-              <a:spcBef>
-                <a:spcPts val="0"/>
-              </a:spcBef>
-              <a:spcAft>
-                <a:spcPts val="0"/>
-              </a:spcAft>
-              <a:buClr>
-                <a:srgbClr val="000000"/>
-              </a:buClr>
-              <a:buSzPts val="1100"/>
-              <a:buFont typeface="Arial"/>
-              <a:buNone/>
-            </a:pPr>
-            <a:r>
-              <a:rPr lang="en-US" sz="1800" b="1"/>
-              <a:t>What is a Data Dictionary?</a:t>
-            </a:r>
-            <a:endParaRPr sz="1800" b="1"/>
-          </a:p>
-          <a:p>
-            <a:pPr marL="0" lvl="0" indent="0" algn="l" rtl="0">
-              <a:lnSpc>
-                <a:spcPct val="115000"/>
-              </a:lnSpc>
-              <a:spcBef>
-                <a:spcPts val="0"/>
-              </a:spcBef>
-              <a:spcAft>
-                <a:spcPts val="0"/>
-              </a:spcAft>
-              <a:buNone/>
-            </a:pPr>
-            <a:r>
-              <a:rPr lang="en-US" sz="1800"/>
-              <a:t>A Data Dictionary is a collection of sources, names, definitions, and attributes about data elements that define the data captured in a system.  </a:t>
-            </a:r>
-            <a:endParaRPr sz="1800"/>
-          </a:p>
-          <a:p>
-            <a:pPr marL="0" lvl="0" indent="0" algn="l" rtl="0">
-              <a:lnSpc>
-                <a:spcPct val="115000"/>
-              </a:lnSpc>
-              <a:spcBef>
-                <a:spcPts val="0"/>
-              </a:spcBef>
-              <a:spcAft>
-                <a:spcPts val="0"/>
-              </a:spcAft>
-              <a:buClr>
-                <a:srgbClr val="000000"/>
-              </a:buClr>
-              <a:buSzPts val="1100"/>
-              <a:buFont typeface="Arial"/>
-              <a:buNone/>
-            </a:pPr>
-            <a:endParaRPr sz="1800"/>
-          </a:p>
-          <a:p>
-            <a:pPr marL="0" lvl="0" indent="0" algn="l" rtl="0">
-              <a:lnSpc>
-                <a:spcPct val="115000"/>
-              </a:lnSpc>
-              <a:spcBef>
-                <a:spcPts val="0"/>
-              </a:spcBef>
-              <a:spcAft>
-                <a:spcPts val="0"/>
-              </a:spcAft>
-              <a:buNone/>
-            </a:pPr>
-            <a:endParaRPr sz="1800"/>
-          </a:p>
-          <a:p>
-            <a:pPr marL="0" lvl="0" indent="0" algn="l" rtl="0">
-              <a:spcBef>
-                <a:spcPts val="0"/>
-              </a:spcBef>
-              <a:spcAft>
-                <a:spcPts val="0"/>
-              </a:spcAft>
-              <a:buNone/>
-            </a:pPr>
-            <a:endParaRPr sz="2400">
-              <a:latin typeface="Lato"/>
-              <a:ea typeface="Lato"/>
-              <a:cs typeface="Lato"/>
-              <a:sym typeface="Lato"/>
-            </a:endParaRPr>
-          </a:p>
-        </p:txBody>
-      </p:sp>
-      <p:sp>
-        <p:nvSpPr>
-          <p:cNvPr id="241" name="Google Shape;241;p35"/>
-          <p:cNvSpPr txBox="1"/>
-          <p:nvPr/>
-        </p:nvSpPr>
-        <p:spPr>
-          <a:xfrm>
-            <a:off x="0" y="2989025"/>
-            <a:ext cx="6078600" cy="3000000"/>
-          </a:xfrm>
-          <a:prstGeom prst="rect">
-            <a:avLst/>
-          </a:prstGeom>
-          <a:noFill/>
-          <a:ln>
-            <a:noFill/>
-          </a:ln>
-        </p:spPr>
-        <p:txBody>
-          <a:bodyPr spcFirstLastPara="1" wrap="square" lIns="91425" tIns="91425" rIns="91425" bIns="91425" anchor="t" anchorCtr="0">
-            <a:noAutofit/>
-          </a:bodyPr>
-          <a:lstStyle/>
-          <a:p>
-            <a:pPr marL="0" lvl="0" indent="0" algn="l" rtl="0">
-              <a:lnSpc>
-                <a:spcPct val="115000"/>
-              </a:lnSpc>
-              <a:spcBef>
-                <a:spcPts val="0"/>
-              </a:spcBef>
-              <a:spcAft>
-                <a:spcPts val="0"/>
-              </a:spcAft>
-              <a:buNone/>
-            </a:pPr>
-            <a:r>
-              <a:rPr lang="en-US" sz="1800" b="1"/>
-              <a:t>The data dictionary in general contains information about the following:</a:t>
-            </a:r>
-            <a:endParaRPr sz="1800" b="1"/>
-          </a:p>
-          <a:p>
-            <a:pPr marL="457200" lvl="0" indent="-342900" algn="l" rtl="0">
-              <a:lnSpc>
-                <a:spcPct val="115000"/>
-              </a:lnSpc>
-              <a:spcBef>
-                <a:spcPts val="0"/>
-              </a:spcBef>
-              <a:spcAft>
-                <a:spcPts val="0"/>
-              </a:spcAft>
-              <a:buSzPts val="1800"/>
-              <a:buAutoNum type="arabicPeriod"/>
-            </a:pPr>
-            <a:r>
-              <a:rPr lang="en-US" sz="1800"/>
-              <a:t>Names and physical information of all database schemas, tables and fields.</a:t>
-            </a:r>
-            <a:endParaRPr sz="1800"/>
-          </a:p>
-          <a:p>
-            <a:pPr marL="457200" lvl="0" indent="0" algn="l" rtl="0">
-              <a:lnSpc>
-                <a:spcPct val="115000"/>
-              </a:lnSpc>
-              <a:spcBef>
-                <a:spcPts val="0"/>
-              </a:spcBef>
-              <a:spcAft>
-                <a:spcPts val="0"/>
-              </a:spcAft>
-              <a:buNone/>
-            </a:pPr>
-            <a:endParaRPr sz="1800"/>
-          </a:p>
-          <a:p>
-            <a:pPr marL="457200" lvl="0" indent="-342900" algn="l" rtl="0">
-              <a:lnSpc>
-                <a:spcPct val="115000"/>
-              </a:lnSpc>
-              <a:spcBef>
-                <a:spcPts val="0"/>
-              </a:spcBef>
-              <a:spcAft>
-                <a:spcPts val="0"/>
-              </a:spcAft>
-              <a:buSzPts val="1800"/>
-              <a:buAutoNum type="arabicPeriod"/>
-            </a:pPr>
-            <a:r>
-              <a:rPr lang="en-US" sz="1800"/>
-              <a:t>“System of record” information. </a:t>
-            </a:r>
-            <a:endParaRPr sz="1800"/>
-          </a:p>
-          <a:p>
-            <a:pPr marL="457200" lvl="0" indent="0" algn="l" rtl="0">
-              <a:lnSpc>
-                <a:spcPct val="115000"/>
-              </a:lnSpc>
-              <a:spcBef>
-                <a:spcPts val="0"/>
-              </a:spcBef>
-              <a:spcAft>
-                <a:spcPts val="0"/>
-              </a:spcAft>
-              <a:buNone/>
-            </a:pPr>
-            <a:r>
-              <a:rPr lang="en-US" sz="1800"/>
-              <a:t> </a:t>
-            </a:r>
-            <a:endParaRPr sz="1800"/>
-          </a:p>
-          <a:p>
-            <a:pPr marL="457200" lvl="0" indent="-342900" algn="l" rtl="0">
-              <a:lnSpc>
-                <a:spcPct val="115000"/>
-              </a:lnSpc>
-              <a:spcBef>
-                <a:spcPts val="0"/>
-              </a:spcBef>
-              <a:spcAft>
-                <a:spcPts val="0"/>
-              </a:spcAft>
-              <a:buSzPts val="1800"/>
-              <a:buAutoNum type="arabicPeriod"/>
-            </a:pPr>
-            <a:r>
-              <a:rPr lang="en-US" sz="1800"/>
-              <a:t>Table constraints such as primary key attributes, foreign key information etc.</a:t>
-            </a:r>
-            <a:endParaRPr sz="1800"/>
-          </a:p>
-          <a:p>
-            <a:pPr marL="457200" lvl="0" indent="0" algn="l" rtl="0">
-              <a:lnSpc>
-                <a:spcPct val="115000"/>
-              </a:lnSpc>
-              <a:spcBef>
-                <a:spcPts val="0"/>
-              </a:spcBef>
-              <a:spcAft>
-                <a:spcPts val="0"/>
-              </a:spcAft>
-              <a:buNone/>
-            </a:pPr>
-            <a:endParaRPr sz="1800"/>
-          </a:p>
-          <a:p>
-            <a:pPr marL="457200" lvl="0" indent="-342900" algn="l" rtl="0">
-              <a:lnSpc>
-                <a:spcPct val="115000"/>
-              </a:lnSpc>
-              <a:spcBef>
-                <a:spcPts val="0"/>
-              </a:spcBef>
-              <a:spcAft>
-                <a:spcPts val="0"/>
-              </a:spcAft>
-              <a:buSzPts val="1800"/>
-              <a:buAutoNum type="arabicPeriod"/>
-            </a:pPr>
-            <a:r>
-              <a:rPr lang="en-US" sz="1800"/>
-              <a:t>Business rules, transformations and metadata               about field values.</a:t>
-            </a:r>
-            <a:endParaRPr/>
-          </a:p>
-        </p:txBody>
-      </p:sp>
-      <p:pic>
-        <p:nvPicPr>
-          <p:cNvPr id="242" name="Google Shape;242;p35"/>
-          <p:cNvPicPr preferRelativeResize="0"/>
-          <p:nvPr/>
-        </p:nvPicPr>
-        <p:blipFill>
-          <a:blip r:embed="rId3">
-            <a:alphaModFix/>
-          </a:blip>
-          <a:stretch>
-            <a:fillRect/>
-          </a:stretch>
-        </p:blipFill>
-        <p:spPr>
-          <a:xfrm>
-            <a:off x="5797025" y="1807100"/>
-            <a:ext cx="6315225" cy="4602774"/>
-          </a:xfrm>
-          <a:prstGeom prst="rect">
-            <a:avLst/>
-          </a:prstGeom>
-          <a:noFill/>
-          <a:ln>
-            <a:noFill/>
-          </a:ln>
-        </p:spPr>
-      </p:pic>
-    </p:spTree>
-  </p:cSld>
-  <p:clrMapOvr>
-    <a:masterClrMapping/>
-  </p:clrMapOvr>
-</p:sld>
-</file>
-
-<file path=ppt/slides/slide9.xml><?xml version="1.0" encoding="utf-8"?>
-<p:sld xmlns:a="http://schemas.openxmlformats.org/drawingml/2006/main" xmlns:r="http://schemas.openxmlformats.org/officeDocument/2006/relationships" xmlns:p="http://schemas.openxmlformats.org/presentationml/2006/main">
-  <p:cSld>
-    <p:spTree>
-      <p:nvGrpSpPr>
-        <p:cNvPr id="1" name="Shape 246"/>
-        <p:cNvGrpSpPr/>
-        <p:nvPr/>
-      </p:nvGrpSpPr>
-      <p:grpSpPr>
-        <a:xfrm>
-          <a:off x="0" y="0"/>
-          <a:ext cx="0" cy="0"/>
-          <a:chOff x="0" y="0"/>
-          <a:chExt cx="0" cy="0"/>
-        </a:xfrm>
-      </p:grpSpPr>
-      <p:sp>
-        <p:nvSpPr>
-          <p:cNvPr id="247" name="Google Shape;247;p36"/>
-          <p:cNvSpPr txBox="1">
-            <a:spLocks noGrp="1"/>
-          </p:cNvSpPr>
-          <p:nvPr>
-            <p:ph type="ctrTitle"/>
-          </p:nvPr>
-        </p:nvSpPr>
-        <p:spPr>
-          <a:xfrm>
-            <a:off x="913795" y="609600"/>
-            <a:ext cx="10353900" cy="970500"/>
-          </a:xfrm>
-          <a:prstGeom prst="rect">
-            <a:avLst/>
-          </a:prstGeom>
-          <a:noFill/>
-          <a:ln>
-            <a:noFill/>
-          </a:ln>
-          <a:effectLst>
-            <a:outerShdw blurRad="25400">
-              <a:srgbClr val="000000">
-                <a:alpha val="45880"/>
-              </a:srgbClr>
-            </a:outerShdw>
-          </a:effectLst>
-        </p:spPr>
-        <p:txBody>
-          <a:bodyPr spcFirstLastPara="1" wrap="square" lIns="91425" tIns="45700" rIns="91425" bIns="45700" anchor="ctr" anchorCtr="0">
-            <a:noAutofit/>
-          </a:bodyPr>
-          <a:lstStyle/>
-          <a:p>
-            <a:pPr marL="0" lvl="0" indent="0" algn="l" rtl="0">
-              <a:spcBef>
-                <a:spcPts val="0"/>
-              </a:spcBef>
-              <a:spcAft>
-                <a:spcPts val="0"/>
-              </a:spcAft>
-              <a:buClr>
-                <a:schemeClr val="lt2"/>
-              </a:buClr>
-              <a:buSzPts val="4000"/>
-              <a:buFont typeface="Lustria"/>
-              <a:buNone/>
-            </a:pPr>
-            <a:r>
-              <a:rPr lang="en-US" sz="4800"/>
-              <a:t>Measuring Data Quality</a:t>
-            </a:r>
-            <a:endParaRPr sz="4800"/>
-          </a:p>
-        </p:txBody>
-      </p:sp>
-      <p:pic>
-        <p:nvPicPr>
-          <p:cNvPr id="248" name="Google Shape;248;p36"/>
-          <p:cNvPicPr preferRelativeResize="0"/>
-          <p:nvPr/>
-        </p:nvPicPr>
-        <p:blipFill>
-          <a:blip r:embed="rId3">
-            <a:alphaModFix/>
-          </a:blip>
-          <a:stretch>
-            <a:fillRect/>
-          </a:stretch>
-        </p:blipFill>
-        <p:spPr>
-          <a:xfrm>
-            <a:off x="7754800" y="1580100"/>
-            <a:ext cx="4179250" cy="4733850"/>
-          </a:xfrm>
-          <a:prstGeom prst="rect">
-            <a:avLst/>
-          </a:prstGeom>
-          <a:noFill/>
-          <a:ln>
-            <a:noFill/>
-          </a:ln>
-        </p:spPr>
-      </p:pic>
-      <p:sp>
-        <p:nvSpPr>
-          <p:cNvPr id="249" name="Google Shape;249;p36"/>
-          <p:cNvSpPr txBox="1"/>
-          <p:nvPr/>
-        </p:nvSpPr>
-        <p:spPr>
-          <a:xfrm>
-            <a:off x="272800" y="1879950"/>
-            <a:ext cx="7406100" cy="4434000"/>
-          </a:xfrm>
-          <a:prstGeom prst="rect">
-            <a:avLst/>
-          </a:prstGeom>
-          <a:noFill/>
-          <a:ln>
-            <a:noFill/>
-          </a:ln>
-        </p:spPr>
-        <p:txBody>
-          <a:bodyPr spcFirstLastPara="1" wrap="square" lIns="91425" tIns="91425" rIns="91425" bIns="91425" anchor="t" anchorCtr="0">
-            <a:noAutofit/>
-          </a:bodyPr>
-          <a:lstStyle/>
-          <a:p>
-            <a:pPr marL="0" lvl="0" indent="0" algn="l" rtl="0">
-              <a:spcBef>
-                <a:spcPts val="0"/>
-              </a:spcBef>
-              <a:spcAft>
-                <a:spcPts val="0"/>
-              </a:spcAft>
-              <a:buClr>
-                <a:srgbClr val="000000"/>
-              </a:buClr>
-              <a:buSzPts val="1100"/>
-              <a:buFont typeface="Arial"/>
-              <a:buNone/>
-            </a:pPr>
-            <a:r>
-              <a:rPr lang="en-US" sz="1800" b="1">
-                <a:latin typeface="Lato"/>
-                <a:ea typeface="Lato"/>
-                <a:cs typeface="Lato"/>
-                <a:sym typeface="Lato"/>
-              </a:rPr>
-              <a:t>What is Data Quality?</a:t>
-            </a:r>
-            <a:endParaRPr sz="1800" b="1">
-              <a:latin typeface="Lato"/>
-              <a:ea typeface="Lato"/>
-              <a:cs typeface="Lato"/>
-              <a:sym typeface="Lato"/>
-            </a:endParaRPr>
-          </a:p>
-          <a:p>
-            <a:pPr marL="0" lvl="0" indent="0" algn="l" rtl="0">
-              <a:spcBef>
-                <a:spcPts val="0"/>
-              </a:spcBef>
-              <a:spcAft>
-                <a:spcPts val="0"/>
-              </a:spcAft>
-              <a:buNone/>
-            </a:pPr>
-            <a:r>
-              <a:rPr lang="en-US" sz="1800">
-                <a:latin typeface="Lato"/>
-                <a:ea typeface="Lato"/>
-                <a:cs typeface="Lato"/>
-                <a:sym typeface="Lato"/>
-              </a:rPr>
-              <a:t>Sometimes errors or incorrect  elements are present in your data set. It’s important to be proactive and clean your data and periodically test it for inaccuracies.</a:t>
-            </a:r>
-            <a:endParaRPr sz="1800">
-              <a:latin typeface="Lato"/>
-              <a:ea typeface="Lato"/>
-              <a:cs typeface="Lato"/>
-              <a:sym typeface="Lato"/>
-            </a:endParaRPr>
-          </a:p>
-          <a:p>
-            <a:pPr marL="0" lvl="0" indent="0" algn="l" rtl="0">
-              <a:spcBef>
-                <a:spcPts val="0"/>
-              </a:spcBef>
-              <a:spcAft>
-                <a:spcPts val="0"/>
-              </a:spcAft>
-              <a:buClr>
-                <a:srgbClr val="000000"/>
-              </a:buClr>
-              <a:buSzPts val="1100"/>
-              <a:buFont typeface="Arial"/>
-              <a:buNone/>
-            </a:pPr>
-            <a:endParaRPr sz="1800" b="1">
-              <a:latin typeface="Lato"/>
-              <a:ea typeface="Lato"/>
-              <a:cs typeface="Lato"/>
-              <a:sym typeface="Lato"/>
-            </a:endParaRPr>
-          </a:p>
-          <a:p>
-            <a:pPr marL="0" lvl="0" indent="0" algn="l" rtl="0">
-              <a:spcBef>
-                <a:spcPts val="0"/>
-              </a:spcBef>
-              <a:spcAft>
-                <a:spcPts val="0"/>
-              </a:spcAft>
-              <a:buClr>
-                <a:srgbClr val="000000"/>
-              </a:buClr>
-              <a:buSzPts val="1100"/>
-              <a:buFont typeface="Arial"/>
-              <a:buNone/>
-            </a:pPr>
-            <a:r>
-              <a:rPr lang="en-US" sz="1800" b="1">
-                <a:latin typeface="Lato"/>
-                <a:ea typeface="Lato"/>
-                <a:cs typeface="Lato"/>
-                <a:sym typeface="Lato"/>
-              </a:rPr>
-              <a:t>What is a Data Quality Assessment?</a:t>
-            </a:r>
-            <a:endParaRPr sz="1800" b="1">
-              <a:latin typeface="Lato"/>
-              <a:ea typeface="Lato"/>
-              <a:cs typeface="Lato"/>
-              <a:sym typeface="Lato"/>
-            </a:endParaRPr>
-          </a:p>
-          <a:p>
-            <a:pPr marL="0" lvl="0" indent="0" algn="l" rtl="0">
-              <a:spcBef>
-                <a:spcPts val="0"/>
-              </a:spcBef>
-              <a:spcAft>
-                <a:spcPts val="0"/>
-              </a:spcAft>
-              <a:buNone/>
-            </a:pPr>
-            <a:r>
-              <a:rPr lang="en-US" sz="1800">
-                <a:latin typeface="Lato"/>
-                <a:ea typeface="Lato"/>
-                <a:cs typeface="Lato"/>
-                <a:sym typeface="Lato"/>
-              </a:rPr>
-              <a:t>You can identify these errors and understand their implications by both qualitative assessments and quantitative measurement. This ensures you have quality data on hand when you run your jobs. This will let you improve your data quality processes for quality and effectiveness.</a:t>
-            </a:r>
-            <a:endParaRPr sz="1800">
-              <a:latin typeface="Lato"/>
-              <a:ea typeface="Lato"/>
-              <a:cs typeface="Lato"/>
-              <a:sym typeface="Lato"/>
-            </a:endParaRPr>
-          </a:p>
-          <a:p>
-            <a:pPr marL="0" lvl="0" indent="0" algn="l" rtl="0">
-              <a:spcBef>
-                <a:spcPts val="0"/>
-              </a:spcBef>
-              <a:spcAft>
-                <a:spcPts val="0"/>
-              </a:spcAft>
-              <a:buClr>
-                <a:srgbClr val="000000"/>
-              </a:buClr>
-              <a:buSzPts val="1100"/>
-              <a:buFont typeface="Arial"/>
-              <a:buNone/>
-            </a:pPr>
-            <a:endParaRPr sz="1800">
-              <a:latin typeface="Lato"/>
-              <a:ea typeface="Lato"/>
-              <a:cs typeface="Lato"/>
-              <a:sym typeface="Lato"/>
-            </a:endParaRPr>
-          </a:p>
-          <a:p>
-            <a:pPr marL="0" lvl="0" indent="0" algn="l" rtl="0">
-              <a:spcBef>
-                <a:spcPts val="0"/>
-              </a:spcBef>
-              <a:spcAft>
-                <a:spcPts val="0"/>
-              </a:spcAft>
-              <a:buClr>
-                <a:srgbClr val="000000"/>
-              </a:buClr>
-              <a:buSzPts val="1100"/>
-              <a:buFont typeface="Arial"/>
-              <a:buNone/>
-            </a:pPr>
-            <a:r>
-              <a:rPr lang="en-US" sz="1800" b="1">
-                <a:latin typeface="Lato"/>
-                <a:ea typeface="Lato"/>
-                <a:cs typeface="Lato"/>
-                <a:sym typeface="Lato"/>
-              </a:rPr>
-              <a:t>What is an Example of Measuring Data Quality?</a:t>
-            </a:r>
-            <a:endParaRPr sz="1800" b="1">
-              <a:latin typeface="Lato"/>
-              <a:ea typeface="Lato"/>
-              <a:cs typeface="Lato"/>
-              <a:sym typeface="Lato"/>
-            </a:endParaRPr>
-          </a:p>
-          <a:p>
-            <a:pPr marL="0" lvl="0" indent="0" algn="l" rtl="0">
-              <a:spcBef>
-                <a:spcPts val="0"/>
-              </a:spcBef>
-              <a:spcAft>
-                <a:spcPts val="0"/>
-              </a:spcAft>
-              <a:buClr>
-                <a:srgbClr val="000000"/>
-              </a:buClr>
-              <a:buSzPts val="1100"/>
-              <a:buFont typeface="Arial"/>
-              <a:buNone/>
-            </a:pPr>
-            <a:r>
-              <a:rPr lang="en-US" sz="1800">
-                <a:latin typeface="Lato"/>
-                <a:ea typeface="Lato"/>
-                <a:cs typeface="Lato"/>
-                <a:sym typeface="Lato"/>
-              </a:rPr>
-              <a:t>This is a common type of data quality metric. It allows you to track how the number of known errors – such as missing, incomplete or redundant entries – within a data set corresponds to the size of the data set. If you find fewer errors while the size of your data stays the same or grows, you know that your data quality is improving.</a:t>
-            </a:r>
-            <a:endParaRPr sz="1800">
-              <a:latin typeface="Lato"/>
-              <a:ea typeface="Lato"/>
-              <a:cs typeface="Lato"/>
-              <a:sym typeface="Lato"/>
-            </a:endParaRPr>
-          </a:p>
-          <a:p>
-            <a:pPr marL="0" lvl="0" indent="0" algn="l" rtl="0">
-              <a:spcBef>
-                <a:spcPts val="0"/>
-              </a:spcBef>
-              <a:spcAft>
-                <a:spcPts val="0"/>
-              </a:spcAft>
-              <a:buNone/>
-            </a:pPr>
-            <a:endParaRPr>
+            <a:endParaRPr dirty="0">
               <a:latin typeface="Lato"/>
               <a:ea typeface="Lato"/>
               <a:cs typeface="Lato"/>

--- a/Lectures/(7) Storing & Managing Data.pptx
+++ b/Lectures/(7) Storing & Managing Data.pptx
@@ -518,6 +518,30 @@
           <pc:docMk/>
           <pc:sldMk cId="2526615778" sldId="298"/>
         </pc:sldMkLst>
+      </pc:sldChg>
+    </pc:docChg>
+  </pc:docChgLst>
+  <pc:docChgLst>
+    <pc:chgData name="Jeremy Bergmann" userId="c2589a63-7d35-4bd4-b1d6-7fbcacc677e5" providerId="ADAL" clId="{1F04B63B-3898-46D1-9F1D-CBF267E3E5B3}"/>
+    <pc:docChg chg="modSld">
+      <pc:chgData name="Jeremy Bergmann" userId="c2589a63-7d35-4bd4-b1d6-7fbcacc677e5" providerId="ADAL" clId="{1F04B63B-3898-46D1-9F1D-CBF267E3E5B3}" dt="2021-11-01T21:30:22.373" v="4" actId="20577"/>
+      <pc:docMkLst>
+        <pc:docMk/>
+      </pc:docMkLst>
+      <pc:sldChg chg="modSp mod">
+        <pc:chgData name="Jeremy Bergmann" userId="c2589a63-7d35-4bd4-b1d6-7fbcacc677e5" providerId="ADAL" clId="{1F04B63B-3898-46D1-9F1D-CBF267E3E5B3}" dt="2021-11-01T21:30:22.373" v="4" actId="20577"/>
+        <pc:sldMkLst>
+          <pc:docMk/>
+          <pc:sldMk cId="0" sldId="258"/>
+        </pc:sldMkLst>
+        <pc:spChg chg="mod">
+          <ac:chgData name="Jeremy Bergmann" userId="c2589a63-7d35-4bd4-b1d6-7fbcacc677e5" providerId="ADAL" clId="{1F04B63B-3898-46D1-9F1D-CBF267E3E5B3}" dt="2021-11-01T21:30:22.373" v="4" actId="20577"/>
+          <ac:spMkLst>
+            <pc:docMk/>
+            <pc:sldMk cId="0" sldId="258"/>
+            <ac:spMk id="192" creationId="{00000000-0000-0000-0000-000000000000}"/>
+          </ac:spMkLst>
+        </pc:spChg>
       </pc:sldChg>
     </pc:docChg>
   </pc:docChgLst>
@@ -13369,7 +13393,7 @@
         </p:nvSpPr>
         <p:spPr>
           <a:xfrm>
-            <a:off x="1001544" y="1995724"/>
+            <a:off x="913795" y="1878766"/>
             <a:ext cx="10816207" cy="4058700"/>
           </a:xfrm>
           <a:prstGeom prst="rect">
@@ -13499,6 +13523,45 @@
               </a:rPr>
               <a:t>Cleaning Data (Class 5)</a:t>
             </a:r>
+            <a:r>
+              <a:rPr sz="2400" dirty="0">
+                <a:solidFill>
+                  <a:srgbClr val="000000"/>
+                </a:solidFill>
+              </a:rPr>
+              <a:t> </a:t>
+            </a:r>
+            <a:endParaRPr lang="en-US" sz="2400" dirty="0">
+              <a:solidFill>
+                <a:srgbClr val="000000"/>
+              </a:solidFill>
+            </a:endParaRPr>
+          </a:p>
+          <a:p>
+            <a:pPr marL="494098" lvl="0" indent="-494098" algn="l" rtl="0">
+              <a:lnSpc>
+                <a:spcPct val="115000"/>
+              </a:lnSpc>
+              <a:spcBef>
+                <a:spcPts val="1000"/>
+              </a:spcBef>
+              <a:spcAft>
+                <a:spcPts val="0"/>
+              </a:spcAft>
+              <a:buClr>
+                <a:srgbClr val="000000"/>
+              </a:buClr>
+              <a:buSzPts val="2400"/>
+              <a:buAutoNum type="arabicPeriod"/>
+            </a:pPr>
+            <a:r>
+              <a:rPr lang="en-US" sz="2400" dirty="0">
+                <a:solidFill>
+                  <a:srgbClr val="000000"/>
+                </a:solidFill>
+              </a:rPr>
+              <a:t>Normalize Data &amp; Create Data Model (Class 6)</a:t>
+            </a:r>
             <a:endParaRPr sz="2400" dirty="0">
               <a:solidFill>
                 <a:srgbClr val="000000"/>
@@ -13526,63 +13589,18 @@
             <a:r>
               <a:rPr lang="en-US" sz="2400" dirty="0">
                 <a:solidFill>
-                  <a:srgbClr val="000000"/>
+                  <a:srgbClr val="00B050"/>
                 </a:solidFill>
               </a:rPr>
-              <a:t>Create Automated Processes using Stored Procedures &amp; Functions (Class 6)</a:t>
-            </a:r>
-          </a:p>
-          <a:p>
-            <a:pPr marL="494098" indent="-494098">
-              <a:spcBef>
-                <a:spcPts val="1000"/>
-              </a:spcBef>
-              <a:buClr>
-                <a:srgbClr val="000000"/>
-              </a:buClr>
-              <a:buSzPts val="2400"/>
-              <a:buFont typeface="Lustria"/>
-              <a:buAutoNum type="arabicPeriod"/>
-            </a:pPr>
-            <a:r>
-              <a:rPr lang="en-US" sz="2400" dirty="0">
-                <a:solidFill>
-                  <a:srgbClr val="000000"/>
+              <a:t>Analyze Data Quality &amp; Create Data Dictionary (</a:t>
+            </a:r>
+            <a:r>
+              <a:rPr lang="en-US" sz="2400">
+                <a:solidFill>
+                  <a:srgbClr val="00B050"/>
                 </a:solidFill>
               </a:rPr>
-              <a:t>Normalize Data &amp; Create Data Model (Class 7)</a:t>
-            </a:r>
-            <a:endParaRPr sz="2400" dirty="0">
-              <a:solidFill>
-                <a:srgbClr val="000000"/>
-              </a:solidFill>
-            </a:endParaRPr>
-          </a:p>
-          <a:p>
-            <a:pPr marL="494098" lvl="0" indent="-494098" algn="l" rtl="0">
-              <a:lnSpc>
-                <a:spcPct val="115000"/>
-              </a:lnSpc>
-              <a:spcBef>
-                <a:spcPts val="1000"/>
-              </a:spcBef>
-              <a:spcAft>
-                <a:spcPts val="0"/>
-              </a:spcAft>
-              <a:buClr>
-                <a:srgbClr val="000000"/>
-              </a:buClr>
-              <a:buSzPts val="2400"/>
-              <a:buFont typeface="Lustria"/>
-              <a:buAutoNum type="arabicPeriod"/>
-            </a:pPr>
-            <a:r>
-              <a:rPr lang="en-US" sz="2400" dirty="0">
-                <a:solidFill>
-                  <a:srgbClr val="00B050"/>
-                </a:solidFill>
-              </a:rPr>
-              <a:t>Analyze Data Quality &amp; Create Data Dictionary (Class 8) </a:t>
+              <a:t>Class 7) </a:t>
             </a:r>
             <a:endParaRPr sz="2400" dirty="0">
               <a:solidFill>
